--- a/Week 10 - Storage and Persistence/Week_10_Slides.pptx
+++ b/Week 10 - Storage and Persistence/Week_10_Slides.pptx
@@ -8,7 +8,7 @@
     <p:sldId id="256" r:id="rId7"/>
     <p:sldId id="257" r:id="rId8"/>
     <p:sldId id="258" r:id="rId9"/>
-    <p:sldId id="259" r:id="rId11"/>
+    <p:sldId id="259" r:id="rId10"/>
     <p:sldId id="260" r:id="rId12"/>
     <p:sldId id="261" r:id="rId13"/>
     <p:sldId id="262" r:id="rId14"/>
@@ -39,6 +39,7 @@
     <p:sldId id="287" r:id="rId39"/>
     <p:sldId id="288" r:id="rId40"/>
     <p:sldId id="289" r:id="rId41"/>
+    <p:sldId id="290" r:id="rId42"/>
   </p:sldIdLst>
   <p:sldSz cx="9144000" cy="6858000" type="screen4x3"/>
   <p:notesSz cx="6858000" cy="9144000"/>
@@ -6011,7 +6012,7 @@
               </a:defRPr>
             </a:pPr>
             <a:r>
-              <a:t>2.3.2 Ceph (The Gold Standard) (Part 1)</a:t>
+              <a:t>2.3.1 NFS (Network File System)</a:t>
             </a:r>
           </a:p>
         </p:txBody>
@@ -6052,7 +6053,7 @@
               </a:defRPr>
             </a:pPr>
             <a:r>
-              <a:t>In contrast, Ceph represents the industry standard for production-grade OpenStack deployments.</a:t>
+              <a:t>The Network File System (NFS) represents the simpler deployment model, often utilized in smaller environments or laboratories.</a:t>
             </a:r>
           </a:p>
           <a:p>
@@ -6070,7 +6071,7 @@
               </a:defRPr>
             </a:pPr>
             <a:r>
-              <a:t>As a software-defined storage solution, Ceph eliminates the need for a central storage controller.</a:t>
+              <a:t>In this architecture, Cinder acts as a client that mounts a remote directory from an existing NAS appliance or Linux server (e.g., 192.168.1.5:/toptier).</a:t>
             </a:r>
           </a:p>
           <a:p>
@@ -6088,7 +6089,7 @@
               </a:defRPr>
             </a:pPr>
             <a:r>
-              <a:t>Instead, it aggregates storage capacity from hundreds of individual hard drives distributed across many physical servers, unifying them into a massive, scalable "Pool." The integration between Cinder and Ceph is facilitated by the librbd library, which allows Cinder to manage reliable RADOS Block Devices (RBD).</a:t>
+              <a:t>When a user requests a new volume, the Cinder Volume service generates a large file, typically in the QCOW2 format, within this mounted directory.</a:t>
             </a:r>
           </a:p>
           <a:p>
@@ -6106,7 +6107,7 @@
               </a:defRPr>
             </a:pPr>
             <a:r>
-              <a:t>Ceph distinguishes itself through its self-healing capabilities and advanced snapshotting mechanism.</a:t>
+              <a:t>While this approach is notably easy to implement—requiring only a standard Linux server or a commercial NAS like Synology—it suffers from scalability limitations.</a:t>
             </a:r>
           </a:p>
           <a:p>
@@ -6124,7 +6125,7 @@
               </a:defRPr>
             </a:pPr>
             <a:r>
-              <a:t>When data is written to a Ceph-backed volume, it is split into 4MB objects and scattered deterministically across the cluster.</a:t>
+              <a:t>The performance of the entire cloud storage pool is often constrained by the throughput of the single network link connecting the Controller to the NAS, creating a significant bottleneck and a single point of failure.</a:t>
             </a:r>
           </a:p>
         </p:txBody>
@@ -6209,7 +6210,7 @@
               </a:defRPr>
             </a:pPr>
             <a:r>
-              <a:t>2.3.2 Ceph (The Gold Standard) (Part 2)</a:t>
+              <a:t>2.3.2 Ceph (The Gold Standard) (Part 1)</a:t>
             </a:r>
           </a:p>
         </p:txBody>
@@ -6250,7 +6251,7 @@
               </a:defRPr>
             </a:pPr>
             <a:r>
-              <a:t>If a physical drive fails, the cluster automatically detects the missing objects and replicates them from surviving redundant copies, effectively healing the system without human intervention.</a:t>
+              <a:t>In contrast, Ceph represents the industry standard for production-grade OpenStack deployments.</a:t>
             </a:r>
           </a:p>
           <a:p>
@@ -6268,7 +6269,7 @@
               </a:defRPr>
             </a:pPr>
             <a:r>
-              <a:t>Furthermore, because Ceph manages data as discrete objects, it can create instantaneous snapshots using a Copy-on-Write mechanism.</a:t>
+              <a:t>As a software-defined storage solution, Ceph eliminates the need for a central storage controller.</a:t>
             </a:r>
           </a:p>
           <a:p>
@@ -6286,7 +6287,43 @@
               </a:defRPr>
             </a:pPr>
             <a:r>
-              <a:t>This allows administrators to generate thousands of recovery points without incurring the performance penalties associated with traditional storage arrays.</a:t>
+              <a:t>Instead, it aggregates storage capacity from hundreds of individual hard drives distributed across many physical servers, unifying them into a massive, scalable "Pool." The integration between Cinder and Ceph is facilitated by the librbd library, which allows Cinder to manage reliable RADOS Block Devices (RBD).</a:t>
+            </a:r>
+          </a:p>
+          <a:p>
+            <a:pPr>
+              <a:spcBef>
+                <a:spcPts val="800"/>
+              </a:spcBef>
+              <a:spcAft>
+                <a:spcPts val="800"/>
+              </a:spcAft>
+              <a:defRPr sz="2000">
+                <a:solidFill>
+                  <a:srgbClr val="FFFFFF"/>
+                </a:solidFill>
+              </a:defRPr>
+            </a:pPr>
+            <a:r>
+              <a:t>Ceph distinguishes itself through its self-healing capabilities and advanced snapshotting mechanism.</a:t>
+            </a:r>
+          </a:p>
+          <a:p>
+            <a:pPr>
+              <a:spcBef>
+                <a:spcPts val="800"/>
+              </a:spcBef>
+              <a:spcAft>
+                <a:spcPts val="800"/>
+              </a:spcAft>
+              <a:defRPr sz="2000">
+                <a:solidFill>
+                  <a:srgbClr val="FFFFFF"/>
+                </a:solidFill>
+              </a:defRPr>
+            </a:pPr>
+            <a:r>
+              <a:t>When data is written to a Ceph-backed volume, it is split into 4MB objects and scattered deterministically across the cluster.</a:t>
             </a:r>
           </a:p>
         </p:txBody>
@@ -6371,7 +6408,7 @@
               </a:defRPr>
             </a:pPr>
             <a:r>
-              <a:t>2.3.3 Configuring Cinder with Ceph</a:t>
+              <a:t>2.3.2 Ceph (The Gold Standard) (Part 2)</a:t>
             </a:r>
           </a:p>
         </p:txBody>
@@ -6412,7 +6449,7 @@
               </a:defRPr>
             </a:pPr>
             <a:r>
-              <a:t>To configure OpenStack Cinder to use a Ceph cluster as its backend, the administrator must edit the cinder.conf file on the Controller node. The process involves three key steps: installing the client libraries, authenticating, and defining the driver.</a:t>
+              <a:t>If a physical drive fails, the cluster automatically detects the missing objects and replicates them from surviving redundant copies, effectively healing the system without human intervention.</a:t>
             </a:r>
           </a:p>
           <a:p>
@@ -6430,11 +6467,7 @@
               </a:defRPr>
             </a:pPr>
             <a:r>
-              <a:t>1. Install Ceph Client:</a:t>
-            </a:r>
-            <a:br/>
-            <a:r>
-              <a:t>The Cinder service requires the python libraries to communicate with the Ceph public network.</a:t>
+              <a:t>Furthermore, because Ceph manages data as discrete objects, it can create instantaneous snapshots using a Copy-on-Write mechanism.</a:t>
             </a:r>
           </a:p>
           <a:p>
@@ -6452,33 +6485,7 @@
               </a:defRPr>
             </a:pPr>
             <a:r>
-              <a:t>2. Authentication (Keyring):</a:t>
-            </a:r>
-            <a:br/>
-            <a:r>
-              <a:t>OpenStack acts as a client "user" to the Ceph cluster. You must copy the authentication keyring from the Ceph Monitor node to the Cinder node.</a:t>
-            </a:r>
-          </a:p>
-          <a:p>
-            <a:pPr>
-              <a:spcBef>
-                <a:spcPts val="800"/>
-              </a:spcBef>
-              <a:spcAft>
-                <a:spcPts val="800"/>
-              </a:spcAft>
-              <a:defRPr sz="2000">
-                <a:solidFill>
-                  <a:srgbClr val="FFFFFF"/>
-                </a:solidFill>
-              </a:defRPr>
-            </a:pPr>
-            <a:r>
-              <a:t>3. Driver Configuration (/etc/cinder/cinder.conf):</a:t>
-            </a:r>
-            <a:br/>
-            <a:r>
-              <a:t>Define a new backend section (e.g., [ceph]) and reference it in the enabled_backends list.</a:t>
+              <a:t>This allows administrators to generate thousands of recovery points without incurring the performance penalties associated with traditional storage arrays.</a:t>
             </a:r>
           </a:p>
         </p:txBody>
@@ -6563,7 +6570,7 @@
               </a:defRPr>
             </a:pPr>
             <a:r>
-              <a:t>2.3.4 Configuring Cinder with NFS</a:t>
+              <a:t>2.3.3 Configuring Cinder with Ceph</a:t>
             </a:r>
           </a:p>
         </p:txBody>
@@ -6604,7 +6611,7 @@
               </a:defRPr>
             </a:pPr>
             <a:r>
-              <a:t>For smaller deployments or lab environments, NFS is a common backend. It requires a dedicated text file to list the shares and a specific driver configuration.</a:t>
+              <a:t>To configure OpenStack Cinder to use a Ceph cluster as its backend, the administrator must edit the cinder.conf file on the Controller node. The process involves three key steps: installing the client libraries, authenticating, and defining the driver.</a:t>
             </a:r>
           </a:p>
           <a:p>
@@ -6622,11 +6629,11 @@
               </a:defRPr>
             </a:pPr>
             <a:r>
-              <a:t>1. Create Shares File:</a:t>
+              <a:t>1. Install Ceph Client:</a:t>
             </a:r>
             <a:br/>
             <a:r>
-              <a:t>Create a text file (e.g., /etc/cinder/nfs_shares) and list your NFS exports, one per line.</a:t>
+              <a:t>The Cinder service requires the python libraries to communicate with the Ceph public network.</a:t>
             </a:r>
           </a:p>
           <a:p>
@@ -6644,11 +6651,11 @@
               </a:defRPr>
             </a:pPr>
             <a:r>
-              <a:t>2. Set Permissions:</a:t>
+              <a:t>2. Authentication (Keyring):</a:t>
             </a:r>
             <a:br/>
             <a:r>
-              <a:t>Ensure the Cinder user can read this file.</a:t>
+              <a:t>OpenStack acts as a client "user" to the Ceph cluster. You must copy the authentication keyring from the Ceph Monitor node to the Cinder node.</a:t>
             </a:r>
           </a:p>
           <a:p>
@@ -6667,6 +6674,10 @@
             </a:pPr>
             <a:r>
               <a:t>3. Driver Configuration (/etc/cinder/cinder.conf):</a:t>
+            </a:r>
+            <a:br/>
+            <a:r>
+              <a:t>Define a new backend section (e.g., [ceph]) and reference it in the enabled_backends list.</a:t>
             </a:r>
           </a:p>
         </p:txBody>
@@ -6751,7 +6762,7 @@
               </a:defRPr>
             </a:pPr>
             <a:r>
-              <a:t>Section 2 Checkpoint</a:t>
+              <a:t>2.3.4 Configuring Cinder with NFS</a:t>
             </a:r>
           </a:p>
         </p:txBody>
@@ -6792,7 +6803,7 @@
               </a:defRPr>
             </a:pPr>
             <a:r>
-              <a:t>Cinder: Manages block storage (Creating/Attaching volumes).</a:t>
+              <a:t>For smaller deployments or lab environments, NFS is a common backend. It requires a dedicated text file to list the shares and a specific driver configuration.</a:t>
             </a:r>
           </a:p>
           <a:p>
@@ -6810,7 +6821,11 @@
               </a:defRPr>
             </a:pPr>
             <a:r>
-              <a:t>Backends: Connects to LVM (Local), NFS (File), or Ceph (Distributed).</a:t>
+              <a:t>1. Create Shares File:</a:t>
+            </a:r>
+            <a:br/>
+            <a:r>
+              <a:t>Create a text file (e.g., /etc/cinder/nfs_shares) and list your NFS exports, one per line.</a:t>
             </a:r>
           </a:p>
           <a:p>
@@ -6828,7 +6843,11 @@
               </a:defRPr>
             </a:pPr>
             <a:r>
-              <a:t>Ceph: The Gold Standard for OpenStack. Self-healing, scalable, compliant.</a:t>
+              <a:t>2. Set Permissions:</a:t>
+            </a:r>
+            <a:br/>
+            <a:r>
+              <a:t>Ensure the Cinder user can read this file.</a:t>
             </a:r>
           </a:p>
           <a:p>
@@ -6846,25 +6865,7 @@
               </a:defRPr>
             </a:pPr>
             <a:r>
-              <a:t>Why is Ceph preferred over NFS for large clouds? (Hint: Single Point of Failure).</a:t>
-            </a:r>
-          </a:p>
-          <a:p>
-            <a:pPr>
-              <a:spcBef>
-                <a:spcPts val="800"/>
-              </a:spcBef>
-              <a:spcAft>
-                <a:spcPts val="800"/>
-              </a:spcAft>
-              <a:defRPr sz="2000">
-                <a:solidFill>
-                  <a:srgbClr val="FFFFFF"/>
-                </a:solidFill>
-              </a:defRPr>
-            </a:pPr>
-            <a:r>
-              <a:t>What happens to a generic "File" on an NFS share when Cinder creates a volume? (It becomes a .qcow2 or .raw disk image).</a:t>
+              <a:t>3. Driver Configuration (/etc/cinder/cinder.conf):</a:t>
             </a:r>
           </a:p>
         </p:txBody>
@@ -6878,6 +6879,204 @@
 </file>
 
 <file path=ppt/slides/slide15.xml><?xml version="1.0" encoding="utf-8"?>
+<p:sld xmlns:a="http://schemas.openxmlformats.org/drawingml/2006/main" xmlns:p="http://schemas.openxmlformats.org/presentationml/2006/main" xmlns:r="http://schemas.openxmlformats.org/officeDocument/2006/relationships">
+  <p:cSld>
+    <p:bg>
+      <p:bgPr>
+        <a:solidFill>
+          <a:srgbClr val="142A46"/>
+        </a:solidFill>
+        <a:effectLst/>
+      </p:bgPr>
+    </p:bg>
+    <p:spTree>
+      <p:nvGrpSpPr>
+        <p:cNvPr id="1" name=""/>
+        <p:cNvGrpSpPr/>
+        <p:nvPr/>
+      </p:nvGrpSpPr>
+      <p:grpSpPr/>
+      <p:pic>
+        <p:nvPicPr>
+          <p:cNvPr id="2" name="Picture 1" descr="ops3_logo.png"/>
+          <p:cNvPicPr>
+            <a:picLocks noChangeAspect="1"/>
+          </p:cNvPicPr>
+          <p:nvPr/>
+        </p:nvPicPr>
+        <p:blipFill>
+          <a:blip r:embed="rId2"/>
+          <a:stretch>
+            <a:fillRect/>
+          </a:stretch>
+        </p:blipFill>
+        <p:spPr>
+          <a:xfrm>
+            <a:off x="274320" y="274320"/>
+            <a:ext cx="581649" cy="548640"/>
+          </a:xfrm>
+          <a:prstGeom prst="rect">
+            <a:avLst/>
+          </a:prstGeom>
+        </p:spPr>
+      </p:pic>
+      <p:sp>
+        <p:nvSpPr>
+          <p:cNvPr id="3" name="TextBox 2"/>
+          <p:cNvSpPr txBox="1"/>
+          <p:nvPr/>
+        </p:nvSpPr>
+        <p:spPr>
+          <a:xfrm>
+            <a:off x="457200" y="914400"/>
+            <a:ext cx="8229600" cy="640080"/>
+          </a:xfrm>
+          <a:prstGeom prst="rect">
+            <a:avLst/>
+          </a:prstGeom>
+          <a:noFill/>
+        </p:spPr>
+        <p:txBody>
+          <a:bodyPr wrap="none">
+            <a:spAutoFit/>
+          </a:bodyPr>
+          <a:lstStyle/>
+          <a:p>
+            <a:pPr>
+              <a:defRPr sz="3200" b="1">
+                <a:solidFill>
+                  <a:srgbClr val="C9984A"/>
+                </a:solidFill>
+              </a:defRPr>
+            </a:pPr>
+            <a:r>
+              <a:t>Section 2 Checkpoint</a:t>
+            </a:r>
+          </a:p>
+        </p:txBody>
+      </p:sp>
+      <p:sp>
+        <p:nvSpPr>
+          <p:cNvPr id="4" name="TextBox 3"/>
+          <p:cNvSpPr txBox="1"/>
+          <p:nvPr/>
+        </p:nvSpPr>
+        <p:spPr>
+          <a:xfrm>
+            <a:off x="731520" y="1737360"/>
+            <a:ext cx="7680960" cy="4389120"/>
+          </a:xfrm>
+          <a:prstGeom prst="rect">
+            <a:avLst/>
+          </a:prstGeom>
+          <a:noFill/>
+        </p:spPr>
+        <p:txBody>
+          <a:bodyPr wrap="square">
+            <a:spAutoFit/>
+          </a:bodyPr>
+          <a:lstStyle/>
+          <a:p>
+            <a:pPr>
+              <a:spcBef>
+                <a:spcPts val="800"/>
+              </a:spcBef>
+              <a:spcAft>
+                <a:spcPts val="800"/>
+              </a:spcAft>
+              <a:defRPr sz="2000">
+                <a:solidFill>
+                  <a:srgbClr val="FFFFFF"/>
+                </a:solidFill>
+              </a:defRPr>
+            </a:pPr>
+            <a:r>
+              <a:t>Cinder: Manages block storage (Creating/Attaching volumes).</a:t>
+            </a:r>
+          </a:p>
+          <a:p>
+            <a:pPr>
+              <a:spcBef>
+                <a:spcPts val="800"/>
+              </a:spcBef>
+              <a:spcAft>
+                <a:spcPts val="800"/>
+              </a:spcAft>
+              <a:defRPr sz="2000">
+                <a:solidFill>
+                  <a:srgbClr val="FFFFFF"/>
+                </a:solidFill>
+              </a:defRPr>
+            </a:pPr>
+            <a:r>
+              <a:t>Backends: Connects to LVM (Local), NFS (File), or Ceph (Distributed).</a:t>
+            </a:r>
+          </a:p>
+          <a:p>
+            <a:pPr>
+              <a:spcBef>
+                <a:spcPts val="800"/>
+              </a:spcBef>
+              <a:spcAft>
+                <a:spcPts val="800"/>
+              </a:spcAft>
+              <a:defRPr sz="2000">
+                <a:solidFill>
+                  <a:srgbClr val="FFFFFF"/>
+                </a:solidFill>
+              </a:defRPr>
+            </a:pPr>
+            <a:r>
+              <a:t>Ceph: The Gold Standard for OpenStack. Self-healing, scalable, compliant.</a:t>
+            </a:r>
+          </a:p>
+          <a:p>
+            <a:pPr>
+              <a:spcBef>
+                <a:spcPts val="800"/>
+              </a:spcBef>
+              <a:spcAft>
+                <a:spcPts val="800"/>
+              </a:spcAft>
+              <a:defRPr sz="2000">
+                <a:solidFill>
+                  <a:srgbClr val="FFFFFF"/>
+                </a:solidFill>
+              </a:defRPr>
+            </a:pPr>
+            <a:r>
+              <a:t>Why is Ceph preferred over NFS for large clouds? (Hint: Single Point of Failure).</a:t>
+            </a:r>
+          </a:p>
+          <a:p>
+            <a:pPr>
+              <a:spcBef>
+                <a:spcPts val="800"/>
+              </a:spcBef>
+              <a:spcAft>
+                <a:spcPts val="800"/>
+              </a:spcAft>
+              <a:defRPr sz="2000">
+                <a:solidFill>
+                  <a:srgbClr val="FFFFFF"/>
+                </a:solidFill>
+              </a:defRPr>
+            </a:pPr>
+            <a:r>
+              <a:t>What happens to a generic "File" on an NFS share when Cinder creates a volume? (It becomes a .qcow2 or .raw disk image).</a:t>
+            </a:r>
+          </a:p>
+        </p:txBody>
+      </p:sp>
+    </p:spTree>
+  </p:cSld>
+  <p:clrMapOvr>
+    <a:masterClrMapping/>
+  </p:clrMapOvr>
+</p:sld>
+</file>
+
+<file path=ppt/slides/slide16.xml><?xml version="1.0" encoding="utf-8"?>
 <p:sld xmlns:a="http://schemas.openxmlformats.org/drawingml/2006/main" xmlns:p="http://schemas.openxmlformats.org/presentationml/2006/main" xmlns:r="http://schemas.openxmlformats.org/officeDocument/2006/relationships">
   <p:cSld>
     <p:bg>
@@ -6950,204 +7149,6 @@
             </a:pPr>
             <a:r>
               <a:t>3. Data Safety Strategies</a:t>
-            </a:r>
-          </a:p>
-        </p:txBody>
-      </p:sp>
-    </p:spTree>
-  </p:cSld>
-  <p:clrMapOvr>
-    <a:masterClrMapping/>
-  </p:clrMapOvr>
-</p:sld>
-</file>
-
-<file path=ppt/slides/slide16.xml><?xml version="1.0" encoding="utf-8"?>
-<p:sld xmlns:a="http://schemas.openxmlformats.org/drawingml/2006/main" xmlns:p="http://schemas.openxmlformats.org/presentationml/2006/main" xmlns:r="http://schemas.openxmlformats.org/officeDocument/2006/relationships">
-  <p:cSld>
-    <p:bg>
-      <p:bgPr>
-        <a:solidFill>
-          <a:srgbClr val="142A46"/>
-        </a:solidFill>
-        <a:effectLst/>
-      </p:bgPr>
-    </p:bg>
-    <p:spTree>
-      <p:nvGrpSpPr>
-        <p:cNvPr id="1" name=""/>
-        <p:cNvGrpSpPr/>
-        <p:nvPr/>
-      </p:nvGrpSpPr>
-      <p:grpSpPr/>
-      <p:pic>
-        <p:nvPicPr>
-          <p:cNvPr id="2" name="Picture 1" descr="ops3_logo.png"/>
-          <p:cNvPicPr>
-            <a:picLocks noChangeAspect="1"/>
-          </p:cNvPicPr>
-          <p:nvPr/>
-        </p:nvPicPr>
-        <p:blipFill>
-          <a:blip r:embed="rId2"/>
-          <a:stretch>
-            <a:fillRect/>
-          </a:stretch>
-        </p:blipFill>
-        <p:spPr>
-          <a:xfrm>
-            <a:off x="274320" y="274320"/>
-            <a:ext cx="581649" cy="548640"/>
-          </a:xfrm>
-          <a:prstGeom prst="rect">
-            <a:avLst/>
-          </a:prstGeom>
-        </p:spPr>
-      </p:pic>
-      <p:sp>
-        <p:nvSpPr>
-          <p:cNvPr id="3" name="TextBox 2"/>
-          <p:cNvSpPr txBox="1"/>
-          <p:nvPr/>
-        </p:nvSpPr>
-        <p:spPr>
-          <a:xfrm>
-            <a:off x="457200" y="914400"/>
-            <a:ext cx="8229600" cy="640080"/>
-          </a:xfrm>
-          <a:prstGeom prst="rect">
-            <a:avLst/>
-          </a:prstGeom>
-          <a:noFill/>
-        </p:spPr>
-        <p:txBody>
-          <a:bodyPr wrap="none">
-            <a:spAutoFit/>
-          </a:bodyPr>
-          <a:lstStyle/>
-          <a:p>
-            <a:pPr>
-              <a:defRPr sz="3200" b="1">
-                <a:solidFill>
-                  <a:srgbClr val="C9984A"/>
-                </a:solidFill>
-              </a:defRPr>
-            </a:pPr>
-            <a:r>
-              <a:t>3.1 Snapshots (The Time Machine)</a:t>
-            </a:r>
-          </a:p>
-        </p:txBody>
-      </p:sp>
-      <p:sp>
-        <p:nvSpPr>
-          <p:cNvPr id="4" name="TextBox 3"/>
-          <p:cNvSpPr txBox="1"/>
-          <p:nvPr/>
-        </p:nvSpPr>
-        <p:spPr>
-          <a:xfrm>
-            <a:off x="731520" y="1737360"/>
-            <a:ext cx="7680960" cy="4389120"/>
-          </a:xfrm>
-          <a:prstGeom prst="rect">
-            <a:avLst/>
-          </a:prstGeom>
-          <a:noFill/>
-        </p:spPr>
-        <p:txBody>
-          <a:bodyPr wrap="square">
-            <a:spAutoFit/>
-          </a:bodyPr>
-          <a:lstStyle/>
-          <a:p>
-            <a:pPr>
-              <a:spcBef>
-                <a:spcPts val="800"/>
-              </a:spcBef>
-              <a:spcAft>
-                <a:spcPts val="800"/>
-              </a:spcAft>
-              <a:defRPr sz="2000">
-                <a:solidFill>
-                  <a:srgbClr val="FFFFFF"/>
-                </a:solidFill>
-              </a:defRPr>
-            </a:pPr>
-            <a:r>
-              <a:t>A Snapshot represents a point-in-time copy of a specific volume using a "Copy-on-Write" (Redirect on Write) mechanism.</a:t>
-            </a:r>
-          </a:p>
-          <a:p>
-            <a:pPr>
-              <a:spcBef>
-                <a:spcPts val="800"/>
-              </a:spcBef>
-              <a:spcAft>
-                <a:spcPts val="800"/>
-              </a:spcAft>
-              <a:defRPr sz="2000">
-                <a:solidFill>
-                  <a:srgbClr val="FFFFFF"/>
-                </a:solidFill>
-              </a:defRPr>
-            </a:pPr>
-            <a:r>
-              <a:t>This technique ensures that the snapshot is created nearly instantly, as it relies on the existing data blocks rather than duplicating the entire drive volume.</a:t>
-            </a:r>
-          </a:p>
-          <a:p>
-            <a:pPr>
-              <a:spcBef>
-                <a:spcPts val="800"/>
-              </a:spcBef>
-              <a:spcAft>
-                <a:spcPts val="800"/>
-              </a:spcAft>
-              <a:defRPr sz="2000">
-                <a:solidFill>
-                  <a:srgbClr val="FFFFFF"/>
-                </a:solidFill>
-              </a:defRPr>
-            </a:pPr>
-            <a:r>
-              <a:t>Snapshots are invaluable for functional recovery scenarios, such as capturing the state of a database before a major upgrade; if the upgrade fails, the administrator can rollback instantly.</a:t>
-            </a:r>
-          </a:p>
-          <a:p>
-            <a:pPr>
-              <a:spcBef>
-                <a:spcPts val="800"/>
-              </a:spcBef>
-              <a:spcAft>
-                <a:spcPts val="800"/>
-              </a:spcAft>
-              <a:defRPr sz="2000">
-                <a:solidFill>
-                  <a:srgbClr val="FFFFFF"/>
-                </a:solidFill>
-              </a:defRPr>
-            </a:pPr>
-            <a:r>
-              <a:t>However, it is critical to note that snapshots typically reside on the same physical hardware as the source volume.</a:t>
-            </a:r>
-          </a:p>
-          <a:p>
-            <a:pPr>
-              <a:spcBef>
-                <a:spcPts val="800"/>
-              </a:spcBef>
-              <a:spcAft>
-                <a:spcPts val="800"/>
-              </a:spcAft>
-              <a:defRPr sz="2000">
-                <a:solidFill>
-                  <a:srgbClr val="FFFFFF"/>
-                </a:solidFill>
-              </a:defRPr>
-            </a:pPr>
-            <a:r>
-              <a:t>Therefore, if the underlying storage array experiences a catastrophic failure, both the active volume and its snapshots will be lost.</a:t>
             </a:r>
           </a:p>
         </p:txBody>
@@ -7232,7 +7233,7 @@
               </a:defRPr>
             </a:pPr>
             <a:r>
-              <a:t>3.2 Backups (The Disaster Plan)</a:t>
+              <a:t>3.1 Snapshots (The Time Machine)</a:t>
             </a:r>
           </a:p>
         </p:txBody>
@@ -7273,7 +7274,7 @@
               </a:defRPr>
             </a:pPr>
             <a:r>
-              <a:t>A backup involves reading the full content of a block volume and transferring it to a separate, physically isolated system—typically an Object Storage service like Swift or Amazon S3.</a:t>
+              <a:t>A Snapshot represents a point-in-time copy of a specific volume using a "Copy-on-Write" (Redirect on Write) mechanism.</a:t>
             </a:r>
           </a:p>
           <a:p>
@@ -7291,7 +7292,7 @@
               </a:defRPr>
             </a:pPr>
             <a:r>
-              <a:t>Although this process is slower due to network transfer requirements, it ensures data survivability.</a:t>
+              <a:t>This technique ensures that the snapshot is created nearly instantly, as it relies on the existing data blocks rather than duplicating the entire drive volume.</a:t>
             </a:r>
           </a:p>
           <a:p>
@@ -7309,7 +7310,43 @@
               </a:defRPr>
             </a:pPr>
             <a:r>
-              <a:t>If the primary SAN or Ceph cluster were to be destroyed by fire or malfunction, the data could still be restored from the backup repository located in a different rack or data center.</a:t>
+              <a:t>Snapshots are invaluable for functional recovery scenarios, such as capturing the state of a database before a major upgrade; if the upgrade fails, the administrator can rollback instantly.</a:t>
+            </a:r>
+          </a:p>
+          <a:p>
+            <a:pPr>
+              <a:spcBef>
+                <a:spcPts val="800"/>
+              </a:spcBef>
+              <a:spcAft>
+                <a:spcPts val="800"/>
+              </a:spcAft>
+              <a:defRPr sz="2000">
+                <a:solidFill>
+                  <a:srgbClr val="FFFFFF"/>
+                </a:solidFill>
+              </a:defRPr>
+            </a:pPr>
+            <a:r>
+              <a:t>However, it is critical to note that snapshots typically reside on the same physical hardware as the source volume.</a:t>
+            </a:r>
+          </a:p>
+          <a:p>
+            <a:pPr>
+              <a:spcBef>
+                <a:spcPts val="800"/>
+              </a:spcBef>
+              <a:spcAft>
+                <a:spcPts val="800"/>
+              </a:spcAft>
+              <a:defRPr sz="2000">
+                <a:solidFill>
+                  <a:srgbClr val="FFFFFF"/>
+                </a:solidFill>
+              </a:defRPr>
+            </a:pPr>
+            <a:r>
+              <a:t>Therefore, if the underlying storage array experiences a catastrophic failure, both the active volume and its snapshots will be lost.</a:t>
             </a:r>
           </a:p>
         </p:txBody>
@@ -7394,7 +7431,7 @@
               </a:defRPr>
             </a:pPr>
             <a:r>
-              <a:t>3.3 Architecting Redundancy: Public vs. Private (Part 1)</a:t>
+              <a:t>3.2 Backups (The Disaster Plan)</a:t>
             </a:r>
           </a:p>
         </p:txBody>
@@ -7435,7 +7472,7 @@
               </a:defRPr>
             </a:pPr>
             <a:r>
-              <a:t>In a Public Cloud (AWS/Azure), achieving higher redundancy is often as simple as selecting a premium tier in a dropdown menu.</a:t>
+              <a:t>A backup involves reading the full content of a block volume and transferring it to a separate, physically isolated system—typically an Object Storage service like Swift or Amazon S3.</a:t>
             </a:r>
           </a:p>
           <a:p>
@@ -7453,7 +7490,7 @@
               </a:defRPr>
             </a:pPr>
             <a:r>
-              <a:t>However, in a Private Cloud environment using OpenStack, you are the architect responsible for building these layers yourself.</a:t>
+              <a:t>Although this process is slower due to network transfer requirements, it ensures data survivability.</a:t>
             </a:r>
           </a:p>
           <a:p>
@@ -7471,47 +7508,7 @@
               </a:defRPr>
             </a:pPr>
             <a:r>
-              <a:t>Understanding how standard cloud redundancy levels map to OpenStack implementation is crucial for designing robust infrastructure.</a:t>
-            </a:r>
-          </a:p>
-          <a:p>
-            <a:pPr>
-              <a:spcBef>
-                <a:spcPts val="800"/>
-              </a:spcBef>
-              <a:spcAft>
-                <a:spcPts val="800"/>
-              </a:spcAft>
-              <a:defRPr sz="2000">
-                <a:solidFill>
-                  <a:srgbClr val="FFFFFF"/>
-                </a:solidFill>
-              </a:defRPr>
-            </a:pPr>
-            <a:r>
-              <a:t>Level 1: Local Redundancy (LRS)</a:t>
-            </a:r>
-            <a:br/>
-            <a:r>
-              <a:t>The foundational level of data safety is Local Redundancy, known as LRS in Azure or EBS in AWS.</a:t>
-            </a:r>
-          </a:p>
-          <a:p>
-            <a:pPr>
-              <a:spcBef>
-                <a:spcPts val="800"/>
-              </a:spcBef>
-              <a:spcAft>
-                <a:spcPts val="800"/>
-              </a:spcAft>
-              <a:defRPr sz="2000">
-                <a:solidFill>
-                  <a:srgbClr val="FFFFFF"/>
-                </a:solidFill>
-              </a:defRPr>
-            </a:pPr>
-            <a:r>
-              <a:t>This concept ensures that data survives disk failures within a single rack or datacenter.</a:t>
+              <a:t>If the primary SAN or Ceph cluster were to be destroyed by fire or malfunction, the data could still be restored from the backup repository located in a different rack or data center.</a:t>
             </a:r>
           </a:p>
         </p:txBody>
@@ -7596,7 +7593,7 @@
               </a:defRPr>
             </a:pPr>
             <a:r>
-              <a:t>3.3 Architecting Redundancy: Public vs. Private (Part 2)</a:t>
+              <a:t>3.3 Architecting Redundancy: Public vs. Private (Part 1)</a:t>
             </a:r>
           </a:p>
         </p:txBody>
@@ -7637,7 +7634,7 @@
               </a:defRPr>
             </a:pPr>
             <a:r>
-              <a:t>In an OpenStack private cloud, this is achieved natively through Ceph.</a:t>
+              <a:t>In a Public Cloud (AWS/Azure), achieving higher redundancy is often as simple as selecting a premium tier in a dropdown menu.</a:t>
             </a:r>
           </a:p>
           <a:p>
@@ -7655,7 +7652,7 @@
               </a:defRPr>
             </a:pPr>
             <a:r>
-              <a:t>By default, Ceph creates a "Replica=3" pool, which automatically stores three copies of every object on different physical Object Storage Daemons (OSDs).</a:t>
+              <a:t>However, in a Private Cloud environment using OpenStack, you are the architect responsible for building these layers yourself.</a:t>
             </a:r>
           </a:p>
           <a:p>
@@ -7673,7 +7670,7 @@
               </a:defRPr>
             </a:pPr>
             <a:r>
-              <a:t>If a physical drive fails, the system self-heals by replicating the data from the surviving copies to a new drive, mirroring the durability guarantees of public cloud LRS.</a:t>
+              <a:t>Understanding how standard cloud redundancy levels map to OpenStack implementation is crucial for designing robust infrastructure.</a:t>
             </a:r>
           </a:p>
           <a:p>
@@ -7691,11 +7688,11 @@
               </a:defRPr>
             </a:pPr>
             <a:r>
-              <a:t>Level 2: Zonal Redundancy (ZRS)</a:t>
+              <a:t>Level 1: Local Redundancy (LRS)</a:t>
             </a:r>
             <a:br/>
             <a:r>
-              <a:t>The next tier is Zonal Redundancy (ZRS), designed to ensure data survives the total destruction of a building due to fire or power loss.</a:t>
+              <a:t>The foundational level of data safety is Local Redundancy, known as LRS in Azure or EBS in AWS.</a:t>
             </a:r>
           </a:p>
           <a:p>
@@ -7713,7 +7710,7 @@
               </a:defRPr>
             </a:pPr>
             <a:r>
-              <a:t>Public clouds implement this by replicating data across distinct Availability Zones—separate facilities with independent power and cooling.</a:t>
+              <a:t>This concept ensures that data survives disk failures within a single rack or datacenter.</a:t>
             </a:r>
           </a:p>
         </p:txBody>
@@ -7732,7 +7729,7 @@
     <p:bg>
       <p:bgPr>
         <a:solidFill>
-          <a:srgbClr val="1E3A5F"/>
+          <a:srgbClr val="142A46"/>
         </a:solidFill>
         <a:effectLst/>
       </p:bgPr>
@@ -7776,8 +7773,8 @@
         </p:nvSpPr>
         <p:spPr>
           <a:xfrm>
-            <a:off x="914400" y="2286000"/>
-            <a:ext cx="7315200" cy="1828800"/>
+            <a:off x="457200" y="914400"/>
+            <a:ext cx="8229600" cy="640080"/>
           </a:xfrm>
           <a:prstGeom prst="rect">
             <a:avLst/>
@@ -7785,20 +7782,151 @@
           <a:noFill/>
         </p:spPr>
         <p:txBody>
+          <a:bodyPr wrap="none">
+            <a:spAutoFit/>
+          </a:bodyPr>
+          <a:lstStyle/>
+          <a:p>
+            <a:pPr>
+              <a:defRPr sz="3600" b="1">
+                <a:solidFill>
+                  <a:srgbClr val="C9984A"/>
+                </a:solidFill>
+              </a:defRPr>
+            </a:pPr>
+            <a:r>
+              <a:t>What You Will Learn This Week</a:t>
+            </a:r>
+          </a:p>
+        </p:txBody>
+      </p:sp>
+      <p:sp>
+        <p:nvSpPr>
+          <p:cNvPr id="4" name="TextBox 3"/>
+          <p:cNvSpPr txBox="1"/>
+          <p:nvPr/>
+        </p:nvSpPr>
+        <p:spPr>
+          <a:xfrm>
+            <a:off x="1097280" y="2011680"/>
+            <a:ext cx="6949440" cy="4114800"/>
+          </a:xfrm>
+          <a:prstGeom prst="rect">
+            <a:avLst/>
+          </a:prstGeom>
+          <a:noFill/>
+        </p:spPr>
+        <p:txBody>
           <a:bodyPr wrap="square">
             <a:spAutoFit/>
           </a:bodyPr>
           <a:lstStyle/>
           <a:p>
-            <a:pPr algn="ctr">
-              <a:defRPr sz="4800" b="1">
-                <a:solidFill>
-                  <a:srgbClr val="C9984A"/>
-                </a:solidFill>
-              </a:defRPr>
-            </a:pPr>
-            <a:r>
-              <a:t>1. The Hierarchy of Cloud Storage</a:t>
+            <a:pPr>
+              <a:spcBef>
+                <a:spcPts val="1000"/>
+              </a:spcBef>
+              <a:spcAft>
+                <a:spcPts val="1000"/>
+              </a:spcAft>
+              <a:defRPr sz="2200">
+                <a:solidFill>
+                  <a:srgbClr val="FFFFFF"/>
+                </a:solidFill>
+              </a:defRPr>
+            </a:pPr>
+            <a:r>
+              <a:t>Understand 1. the hierarchy of cloud storage</a:t>
+            </a:r>
+          </a:p>
+          <a:p>
+            <a:pPr>
+              <a:spcBef>
+                <a:spcPts val="1000"/>
+              </a:spcBef>
+              <a:spcAft>
+                <a:spcPts val="1000"/>
+              </a:spcAft>
+              <a:defRPr sz="2200">
+                <a:solidFill>
+                  <a:srgbClr val="FFFFFF"/>
+                </a:solidFill>
+              </a:defRPr>
+            </a:pPr>
+            <a:r>
+              <a:t>Understand 2. block storage architecture (cinder)</a:t>
+            </a:r>
+          </a:p>
+          <a:p>
+            <a:pPr>
+              <a:spcBef>
+                <a:spcPts val="1000"/>
+              </a:spcBef>
+              <a:spcAft>
+                <a:spcPts val="1000"/>
+              </a:spcAft>
+              <a:defRPr sz="2200">
+                <a:solidFill>
+                  <a:srgbClr val="FFFFFF"/>
+                </a:solidFill>
+              </a:defRPr>
+            </a:pPr>
+            <a:r>
+              <a:t>Understand 3. data safety strategies</a:t>
+            </a:r>
+          </a:p>
+          <a:p>
+            <a:pPr>
+              <a:spcBef>
+                <a:spcPts val="1000"/>
+              </a:spcBef>
+              <a:spcAft>
+                <a:spcPts val="1000"/>
+              </a:spcAft>
+              <a:defRPr sz="2200">
+                <a:solidFill>
+                  <a:srgbClr val="FFFFFF"/>
+                </a:solidFill>
+              </a:defRPr>
+            </a:pPr>
+            <a:r>
+              <a:t>Understand 4. operations cookbook (nebula inc.)</a:t>
+            </a:r>
+          </a:p>
+          <a:p>
+            <a:pPr>
+              <a:spcBef>
+                <a:spcPts val="1000"/>
+              </a:spcBef>
+              <a:spcAft>
+                <a:spcPts val="1000"/>
+              </a:spcAft>
+              <a:defRPr sz="2200">
+                <a:solidFill>
+                  <a:srgbClr val="FFFFFF"/>
+                </a:solidFill>
+              </a:defRPr>
+            </a:pPr>
+            <a:r>
+              <a:t>Understand 5. industry comparison: storage</a:t>
+            </a:r>
+          </a:p>
+          <a:p>
+            <a:pPr>
+              <a:spcBef>
+                <a:spcPts val="1000"/>
+              </a:spcBef>
+              <a:spcAft>
+                <a:spcPts val="1000"/>
+              </a:spcAft>
+              <a:defRPr sz="2200">
+                <a:solidFill>
+                  <a:srgbClr val="FFFFFF"/>
+                </a:solidFill>
+              </a:defRPr>
+            </a:pPr>
+            <a:r>
+              <a:t>Understand 7. summary and next steps</a:t>
             </a:r>
           </a:p>
         </p:txBody>
@@ -7883,7 +8011,7 @@
               </a:defRPr>
             </a:pPr>
             <a:r>
-              <a:t>3.3 Architecting Redundancy: Public vs. Private (Part 3)</a:t>
+              <a:t>3.3 Architecting Redundancy: Public vs. Private (Part 2)</a:t>
             </a:r>
           </a:p>
         </p:txBody>
@@ -7924,7 +8052,7 @@
               </a:defRPr>
             </a:pPr>
             <a:r>
-              <a:t>In OpenStack, you replicate this architecture using Cinder Availability Zones.</a:t>
+              <a:t>In an OpenStack private cloud, this is achieved natively through Ceph.</a:t>
             </a:r>
           </a:p>
           <a:p>
@@ -7942,7 +8070,7 @@
               </a:defRPr>
             </a:pPr>
             <a:r>
-              <a:t>By modifying cinder.conf, an administrator can define logical zones (e.g., zone-A, zone-B) and map them to specific storage racks or entirely separate Ceph clusters.</a:t>
+              <a:t>By default, Ceph creates a "Replica=3" pool, which automatically stores three copies of every object on different physical Object Storage Daemons (OSDs).</a:t>
             </a:r>
           </a:p>
           <a:p>
@@ -7960,7 +8088,7 @@
               </a:defRPr>
             </a:pPr>
             <a:r>
-              <a:t>This requires users to consciously select a zone when provisioning a volume, ensuring their application architecture can withstand a facility-level failure.</a:t>
+              <a:t>If a physical drive fails, the system self-heals by replicating the data from the surviving copies to a new drive, mirroring the durability guarantees of public cloud LRS.</a:t>
             </a:r>
           </a:p>
           <a:p>
@@ -7978,11 +8106,11 @@
               </a:defRPr>
             </a:pPr>
             <a:r>
-              <a:t>Level 3: Geo Redundancy (GRS)</a:t>
+              <a:t>Level 2: Zonal Redundancy (ZRS)</a:t>
             </a:r>
             <a:br/>
             <a:r>
-              <a:t>The highest level of protection is Geo Redundancy (GRS), which ensures survival against regional catastrophes, such as major natural disasters.</a:t>
+              <a:t>The next tier is Zonal Redundancy (ZRS), designed to ensure data survives the total destruction of a building due to fire or power loss.</a:t>
             </a:r>
           </a:p>
           <a:p>
@@ -8000,7 +8128,7 @@
               </a:defRPr>
             </a:pPr>
             <a:r>
-              <a:t>While public clouds handle this via asynchronous replication between regions (e.g., North Europe to West Europe), a private cloud architect typically implements this using Cinder Backup.</a:t>
+              <a:t>Public clouds implement this by replicating data across distinct Availability Zones—separate facilities with independent power and cooling.</a:t>
             </a:r>
           </a:p>
         </p:txBody>
@@ -8085,7 +8213,7 @@
               </a:defRPr>
             </a:pPr>
             <a:r>
-              <a:t>3.3 Architecting Redundancy: Public vs. Private (Part 4)</a:t>
+              <a:t>3.3 Architecting Redundancy: Public vs. Private (Part 3)</a:t>
             </a:r>
           </a:p>
         </p:txBody>
@@ -8126,7 +8254,7 @@
               </a:defRPr>
             </a:pPr>
             <a:r>
-              <a:t>By configuring Cinder to send volume backups to a remote Swift Object Storage cluster located in a different city, you guarantee that critical data can be restored even if the primary datacenter is lost.</a:t>
+              <a:t>In OpenStack, you replicate this architecture using Cinder Availability Zones.</a:t>
             </a:r>
           </a:p>
           <a:p>
@@ -8144,7 +8272,65 @@
               </a:defRPr>
             </a:pPr>
             <a:r>
-              <a:t>More advanced (and expensive) setups can also utilize driver-level volume replication for real-time Active/Passive disaster recovery.</a:t>
+              <a:t>By modifying cinder.conf, an administrator can define logical zones (e.g., zone-A, zone-B) and map them to specific storage racks or entirely separate Ceph clusters.</a:t>
+            </a:r>
+          </a:p>
+          <a:p>
+            <a:pPr>
+              <a:spcBef>
+                <a:spcPts val="800"/>
+              </a:spcBef>
+              <a:spcAft>
+                <a:spcPts val="800"/>
+              </a:spcAft>
+              <a:defRPr sz="2000">
+                <a:solidFill>
+                  <a:srgbClr val="FFFFFF"/>
+                </a:solidFill>
+              </a:defRPr>
+            </a:pPr>
+            <a:r>
+              <a:t>This requires users to consciously select a zone when provisioning a volume, ensuring their application architecture can withstand a facility-level failure.</a:t>
+            </a:r>
+          </a:p>
+          <a:p>
+            <a:pPr>
+              <a:spcBef>
+                <a:spcPts val="800"/>
+              </a:spcBef>
+              <a:spcAft>
+                <a:spcPts val="800"/>
+              </a:spcAft>
+              <a:defRPr sz="2000">
+                <a:solidFill>
+                  <a:srgbClr val="FFFFFF"/>
+                </a:solidFill>
+              </a:defRPr>
+            </a:pPr>
+            <a:r>
+              <a:t>Level 3: Geo Redundancy (GRS)</a:t>
+            </a:r>
+            <a:br/>
+            <a:r>
+              <a:t>The highest level of protection is Geo Redundancy (GRS), which ensures survival against regional catastrophes, such as major natural disasters.</a:t>
+            </a:r>
+          </a:p>
+          <a:p>
+            <a:pPr>
+              <a:spcBef>
+                <a:spcPts val="800"/>
+              </a:spcBef>
+              <a:spcAft>
+                <a:spcPts val="800"/>
+              </a:spcAft>
+              <a:defRPr sz="2000">
+                <a:solidFill>
+                  <a:srgbClr val="FFFFFF"/>
+                </a:solidFill>
+              </a:defRPr>
+            </a:pPr>
+            <a:r>
+              <a:t>While public clouds handle this via asynchronous replication between regions (e.g., North Europe to West Europe), a private cloud architect typically implements this using Cinder Backup.</a:t>
             </a:r>
           </a:p>
         </p:txBody>
@@ -8229,7 +8415,7 @@
               </a:defRPr>
             </a:pPr>
             <a:r>
-              <a:t>Section 3 Checkpoint</a:t>
+              <a:t>3.3 Architecting Redundancy: Public vs. Private (Part 4)</a:t>
             </a:r>
           </a:p>
         </p:txBody>
@@ -8270,7 +8456,7 @@
               </a:defRPr>
             </a:pPr>
             <a:r>
-              <a:t>Snapshot: Quick, local, dependent on source. Use for "Undo" before changes.</a:t>
+              <a:t>By configuring Cinder to send volume backups to a remote Swift Object Storage cluster located in a different city, you guarantee that critical data can be restored even if the primary datacenter is lost.</a:t>
             </a:r>
           </a:p>
           <a:p>
@@ -8288,61 +8474,7 @@
               </a:defRPr>
             </a:pPr>
             <a:r>
-              <a:t>Backup: Slow, remote, independent. Use for Disaster Recovery (Fire/Flood).</a:t>
-            </a:r>
-          </a:p>
-          <a:p>
-            <a:pPr>
-              <a:spcBef>
-                <a:spcPts val="800"/>
-              </a:spcBef>
-              <a:spcAft>
-                <a:spcPts val="800"/>
-              </a:spcAft>
-              <a:defRPr sz="2000">
-                <a:solidFill>
-                  <a:srgbClr val="FFFFFF"/>
-                </a:solidFill>
-              </a:defRPr>
-            </a:pPr>
-            <a:r>
-              <a:t>Redundancy: LRS (Disk Fail), ZRS (Rack/Building Fail), GRS (City Fail).</a:t>
-            </a:r>
-          </a:p>
-          <a:p>
-            <a:pPr>
-              <a:spcBef>
-                <a:spcPts val="800"/>
-              </a:spcBef>
-              <a:spcAft>
-                <a:spcPts val="800"/>
-              </a:spcAft>
-              <a:defRPr sz="2000">
-                <a:solidFill>
-                  <a:srgbClr val="FFFFFF"/>
-                </a:solidFill>
-              </a:defRPr>
-            </a:pPr>
-            <a:r>
-              <a:t>Why isn't a Snapshot considered a true Backup?</a:t>
-            </a:r>
-          </a:p>
-          <a:p>
-            <a:pPr>
-              <a:spcBef>
-                <a:spcPts val="800"/>
-              </a:spcBef>
-              <a:spcAft>
-                <a:spcPts val="800"/>
-              </a:spcAft>
-              <a:defRPr sz="2000">
-                <a:solidFill>
-                  <a:srgbClr val="FFFFFF"/>
-                </a:solidFill>
-              </a:defRPr>
-            </a:pPr>
-            <a:r>
-              <a:t>Which Cinder feature would you use to protect against a data center power outage? (Cinder Backup / Replication).</a:t>
+              <a:t>More advanced (and expensive) setups can also utilize driver-level volume replication for real-time Active/Passive disaster recovery.</a:t>
             </a:r>
           </a:p>
         </p:txBody>
@@ -8356,6 +8488,204 @@
 </file>
 
 <file path=ppt/slides/slide23.xml><?xml version="1.0" encoding="utf-8"?>
+<p:sld xmlns:a="http://schemas.openxmlformats.org/drawingml/2006/main" xmlns:p="http://schemas.openxmlformats.org/presentationml/2006/main" xmlns:r="http://schemas.openxmlformats.org/officeDocument/2006/relationships">
+  <p:cSld>
+    <p:bg>
+      <p:bgPr>
+        <a:solidFill>
+          <a:srgbClr val="142A46"/>
+        </a:solidFill>
+        <a:effectLst/>
+      </p:bgPr>
+    </p:bg>
+    <p:spTree>
+      <p:nvGrpSpPr>
+        <p:cNvPr id="1" name=""/>
+        <p:cNvGrpSpPr/>
+        <p:nvPr/>
+      </p:nvGrpSpPr>
+      <p:grpSpPr/>
+      <p:pic>
+        <p:nvPicPr>
+          <p:cNvPr id="2" name="Picture 1" descr="ops3_logo.png"/>
+          <p:cNvPicPr>
+            <a:picLocks noChangeAspect="1"/>
+          </p:cNvPicPr>
+          <p:nvPr/>
+        </p:nvPicPr>
+        <p:blipFill>
+          <a:blip r:embed="rId2"/>
+          <a:stretch>
+            <a:fillRect/>
+          </a:stretch>
+        </p:blipFill>
+        <p:spPr>
+          <a:xfrm>
+            <a:off x="274320" y="274320"/>
+            <a:ext cx="581649" cy="548640"/>
+          </a:xfrm>
+          <a:prstGeom prst="rect">
+            <a:avLst/>
+          </a:prstGeom>
+        </p:spPr>
+      </p:pic>
+      <p:sp>
+        <p:nvSpPr>
+          <p:cNvPr id="3" name="TextBox 2"/>
+          <p:cNvSpPr txBox="1"/>
+          <p:nvPr/>
+        </p:nvSpPr>
+        <p:spPr>
+          <a:xfrm>
+            <a:off x="457200" y="914400"/>
+            <a:ext cx="8229600" cy="640080"/>
+          </a:xfrm>
+          <a:prstGeom prst="rect">
+            <a:avLst/>
+          </a:prstGeom>
+          <a:noFill/>
+        </p:spPr>
+        <p:txBody>
+          <a:bodyPr wrap="none">
+            <a:spAutoFit/>
+          </a:bodyPr>
+          <a:lstStyle/>
+          <a:p>
+            <a:pPr>
+              <a:defRPr sz="3200" b="1">
+                <a:solidFill>
+                  <a:srgbClr val="C9984A"/>
+                </a:solidFill>
+              </a:defRPr>
+            </a:pPr>
+            <a:r>
+              <a:t>Section 3 Checkpoint</a:t>
+            </a:r>
+          </a:p>
+        </p:txBody>
+      </p:sp>
+      <p:sp>
+        <p:nvSpPr>
+          <p:cNvPr id="4" name="TextBox 3"/>
+          <p:cNvSpPr txBox="1"/>
+          <p:nvPr/>
+        </p:nvSpPr>
+        <p:spPr>
+          <a:xfrm>
+            <a:off x="731520" y="1737360"/>
+            <a:ext cx="7680960" cy="4389120"/>
+          </a:xfrm>
+          <a:prstGeom prst="rect">
+            <a:avLst/>
+          </a:prstGeom>
+          <a:noFill/>
+        </p:spPr>
+        <p:txBody>
+          <a:bodyPr wrap="square">
+            <a:spAutoFit/>
+          </a:bodyPr>
+          <a:lstStyle/>
+          <a:p>
+            <a:pPr>
+              <a:spcBef>
+                <a:spcPts val="800"/>
+              </a:spcBef>
+              <a:spcAft>
+                <a:spcPts val="800"/>
+              </a:spcAft>
+              <a:defRPr sz="2000">
+                <a:solidFill>
+                  <a:srgbClr val="FFFFFF"/>
+                </a:solidFill>
+              </a:defRPr>
+            </a:pPr>
+            <a:r>
+              <a:t>Snapshot: Quick, local, dependent on source. Use for "Undo" before changes.</a:t>
+            </a:r>
+          </a:p>
+          <a:p>
+            <a:pPr>
+              <a:spcBef>
+                <a:spcPts val="800"/>
+              </a:spcBef>
+              <a:spcAft>
+                <a:spcPts val="800"/>
+              </a:spcAft>
+              <a:defRPr sz="2000">
+                <a:solidFill>
+                  <a:srgbClr val="FFFFFF"/>
+                </a:solidFill>
+              </a:defRPr>
+            </a:pPr>
+            <a:r>
+              <a:t>Backup: Slow, remote, independent. Use for Disaster Recovery (Fire/Flood).</a:t>
+            </a:r>
+          </a:p>
+          <a:p>
+            <a:pPr>
+              <a:spcBef>
+                <a:spcPts val="800"/>
+              </a:spcBef>
+              <a:spcAft>
+                <a:spcPts val="800"/>
+              </a:spcAft>
+              <a:defRPr sz="2000">
+                <a:solidFill>
+                  <a:srgbClr val="FFFFFF"/>
+                </a:solidFill>
+              </a:defRPr>
+            </a:pPr>
+            <a:r>
+              <a:t>Redundancy: LRS (Disk Fail), ZRS (Rack/Building Fail), GRS (City Fail).</a:t>
+            </a:r>
+          </a:p>
+          <a:p>
+            <a:pPr>
+              <a:spcBef>
+                <a:spcPts val="800"/>
+              </a:spcBef>
+              <a:spcAft>
+                <a:spcPts val="800"/>
+              </a:spcAft>
+              <a:defRPr sz="2000">
+                <a:solidFill>
+                  <a:srgbClr val="FFFFFF"/>
+                </a:solidFill>
+              </a:defRPr>
+            </a:pPr>
+            <a:r>
+              <a:t>Why isn't a Snapshot considered a true Backup?</a:t>
+            </a:r>
+          </a:p>
+          <a:p>
+            <a:pPr>
+              <a:spcBef>
+                <a:spcPts val="800"/>
+              </a:spcBef>
+              <a:spcAft>
+                <a:spcPts val="800"/>
+              </a:spcAft>
+              <a:defRPr sz="2000">
+                <a:solidFill>
+                  <a:srgbClr val="FFFFFF"/>
+                </a:solidFill>
+              </a:defRPr>
+            </a:pPr>
+            <a:r>
+              <a:t>Which Cinder feature would you use to protect against a data center power outage? (Cinder Backup / Replication).</a:t>
+            </a:r>
+          </a:p>
+        </p:txBody>
+      </p:sp>
+    </p:spTree>
+  </p:cSld>
+  <p:clrMapOvr>
+    <a:masterClrMapping/>
+  </p:clrMapOvr>
+</p:sld>
+</file>
+
+<file path=ppt/slides/slide24.xml><?xml version="1.0" encoding="utf-8"?>
 <p:sld xmlns:a="http://schemas.openxmlformats.org/drawingml/2006/main" xmlns:p="http://schemas.openxmlformats.org/presentationml/2006/main" xmlns:r="http://schemas.openxmlformats.org/officeDocument/2006/relationships">
   <p:cSld>
     <p:bg>
@@ -8428,132 +8758,6 @@
             </a:pPr>
             <a:r>
               <a:t>4. Operations Cookbook (Nebula Inc.)</a:t>
-            </a:r>
-          </a:p>
-        </p:txBody>
-      </p:sp>
-    </p:spTree>
-  </p:cSld>
-  <p:clrMapOvr>
-    <a:masterClrMapping/>
-  </p:clrMapOvr>
-</p:sld>
-</file>
-
-<file path=ppt/slides/slide24.xml><?xml version="1.0" encoding="utf-8"?>
-<p:sld xmlns:a="http://schemas.openxmlformats.org/drawingml/2006/main" xmlns:p="http://schemas.openxmlformats.org/presentationml/2006/main" xmlns:r="http://schemas.openxmlformats.org/officeDocument/2006/relationships">
-  <p:cSld>
-    <p:bg>
-      <p:bgPr>
-        <a:solidFill>
-          <a:srgbClr val="142A46"/>
-        </a:solidFill>
-        <a:effectLst/>
-      </p:bgPr>
-    </p:bg>
-    <p:spTree>
-      <p:nvGrpSpPr>
-        <p:cNvPr id="1" name=""/>
-        <p:cNvGrpSpPr/>
-        <p:nvPr/>
-      </p:nvGrpSpPr>
-      <p:grpSpPr/>
-      <p:pic>
-        <p:nvPicPr>
-          <p:cNvPr id="2" name="Picture 1" descr="ops3_logo.png"/>
-          <p:cNvPicPr>
-            <a:picLocks noChangeAspect="1"/>
-          </p:cNvPicPr>
-          <p:nvPr/>
-        </p:nvPicPr>
-        <p:blipFill>
-          <a:blip r:embed="rId2"/>
-          <a:stretch>
-            <a:fillRect/>
-          </a:stretch>
-        </p:blipFill>
-        <p:spPr>
-          <a:xfrm>
-            <a:off x="274320" y="274320"/>
-            <a:ext cx="581649" cy="548640"/>
-          </a:xfrm>
-          <a:prstGeom prst="rect">
-            <a:avLst/>
-          </a:prstGeom>
-        </p:spPr>
-      </p:pic>
-      <p:sp>
-        <p:nvSpPr>
-          <p:cNvPr id="3" name="TextBox 2"/>
-          <p:cNvSpPr txBox="1"/>
-          <p:nvPr/>
-        </p:nvSpPr>
-        <p:spPr>
-          <a:xfrm>
-            <a:off x="457200" y="914400"/>
-            <a:ext cx="8229600" cy="640080"/>
-          </a:xfrm>
-          <a:prstGeom prst="rect">
-            <a:avLst/>
-          </a:prstGeom>
-          <a:noFill/>
-        </p:spPr>
-        <p:txBody>
-          <a:bodyPr wrap="none">
-            <a:spAutoFit/>
-          </a:bodyPr>
-          <a:lstStyle/>
-          <a:p>
-            <a:pPr>
-              <a:defRPr sz="3200" b="1">
-                <a:solidFill>
-                  <a:srgbClr val="C9984A"/>
-                </a:solidFill>
-              </a:defRPr>
-            </a:pPr>
-            <a:r>
-              <a:t>4.1 Creating a Volume</a:t>
-            </a:r>
-          </a:p>
-        </p:txBody>
-      </p:sp>
-      <p:sp>
-        <p:nvSpPr>
-          <p:cNvPr id="4" name="TextBox 3"/>
-          <p:cNvSpPr txBox="1"/>
-          <p:nvPr/>
-        </p:nvSpPr>
-        <p:spPr>
-          <a:xfrm>
-            <a:off x="731520" y="1737360"/>
-            <a:ext cx="7680960" cy="4389120"/>
-          </a:xfrm>
-          <a:prstGeom prst="rect">
-            <a:avLst/>
-          </a:prstGeom>
-          <a:noFill/>
-        </p:spPr>
-        <p:txBody>
-          <a:bodyPr wrap="square">
-            <a:spAutoFit/>
-          </a:bodyPr>
-          <a:lstStyle/>
-          <a:p>
-            <a:pPr>
-              <a:spcBef>
-                <a:spcPts val="800"/>
-              </a:spcBef>
-              <a:spcAft>
-                <a:spcPts val="800"/>
-              </a:spcAft>
-              <a:defRPr sz="2000">
-                <a:solidFill>
-                  <a:srgbClr val="FFFFFF"/>
-                </a:solidFill>
-              </a:defRPr>
-            </a:pPr>
-            <a:r>
-              <a:t>We begin by provisioning a specific persistent volume for our database. This is analogous to purchasing a physical hard drive; initially, it exists as an unattached operational resource within the storage inventory.</a:t>
             </a:r>
           </a:p>
         </p:txBody>
@@ -8638,7 +8842,7 @@
               </a:defRPr>
             </a:pPr>
             <a:r>
-              <a:t>4.2 Attaching the Volume</a:t>
+              <a:t>4.1 Creating a Volume</a:t>
             </a:r>
           </a:p>
         </p:txBody>
@@ -8679,19 +8883,7 @@
               </a:defRPr>
             </a:pPr>
             <a:r>
-              <a:t>Verification:</a:t>
-            </a:r>
-            <a:br/>
-            <a:r>
-              <a:t>    bash</a:t>
-            </a:r>
-            <a:br/>
-            <a:r>
-              <a:t>    openstack volume list</a:t>
-            </a:r>
-            <a:br/>
-            <a:r>
-              <a:t>    # Status should be "in-use"</a:t>
+              <a:t>We begin by provisioning a specific persistent volume for our database. This is analogous to purchasing a physical hard drive; initially, it exists as an unattached operational resource within the storage inventory.</a:t>
             </a:r>
           </a:p>
         </p:txBody>
@@ -8776,7 +8968,7 @@
               </a:defRPr>
             </a:pPr>
             <a:r>
-              <a:t>4.3 Formatting and Mounting (Guest OS)</a:t>
+              <a:t>4.2 Attaching the Volume</a:t>
             </a:r>
           </a:p>
         </p:txBody>
@@ -8817,7 +9009,19 @@
               </a:defRPr>
             </a:pPr>
             <a:r>
-              <a:t>It is important to remember that Cinder delivers a raw block device (e.g., /dev/vdb) without any file system. The administrator must log into the Guest OS to format the disk and mount it for use effectively transferring responsibility from the "Cloud Provider" to the "OS Administrator".</a:t>
+              <a:t>Verification:</a:t>
+            </a:r>
+            <a:br/>
+            <a:r>
+              <a:t>    bash</a:t>
+            </a:r>
+            <a:br/>
+            <a:r>
+              <a:t>    openstack volume list</a:t>
+            </a:r>
+            <a:br/>
+            <a:r>
+              <a:t>    # Status should be "in-use"</a:t>
             </a:r>
           </a:p>
         </p:txBody>
@@ -8902,7 +9106,7 @@
               </a:defRPr>
             </a:pPr>
             <a:r>
-              <a:t>4.4 Snapshotting</a:t>
+              <a:t>4.3 Formatting and Mounting (Guest OS)</a:t>
             </a:r>
           </a:p>
         </p:txBody>
@@ -8943,7 +9147,7 @@
               </a:defRPr>
             </a:pPr>
             <a:r>
-              <a:t>Before executing any destructive changes or updates to the database, standard procedure dictates creating a snapshot to preserve the current state.</a:t>
+              <a:t>It is important to remember that Cinder delivers a raw block device (e.g., /dev/vdb) without any file system. The administrator must log into the Guest OS to format the disk and mount it for use effectively transferring responsibility from the "Cloud Provider" to the "OS Administrator".</a:t>
             </a:r>
           </a:p>
         </p:txBody>
@@ -9028,7 +9232,7 @@
               </a:defRPr>
             </a:pPr>
             <a:r>
-              <a:t>Section 4 Checkpoint</a:t>
+              <a:t>4.4 Snapshotting</a:t>
             </a:r>
           </a:p>
         </p:txBody>
@@ -9069,79 +9273,7 @@
               </a:defRPr>
             </a:pPr>
             <a:r>
-              <a:t>Process: Create Volume -&gt; Attach to VM -&gt; Format (mkfs) -&gt; Mount.</a:t>
-            </a:r>
-          </a:p>
-          <a:p>
-            <a:pPr>
-              <a:spcBef>
-                <a:spcPts val="800"/>
-              </a:spcBef>
-              <a:spcAft>
-                <a:spcPts val="800"/>
-              </a:spcAft>
-              <a:defRPr sz="2000">
-                <a:solidFill>
-                  <a:srgbClr val="FFFFFF"/>
-                </a:solidFill>
-              </a:defRPr>
-            </a:pPr>
-            <a:r>
-              <a:t>Guest Responsibility: The Cloud Provider connects the wire; YOU must format the disk.</a:t>
-            </a:r>
-          </a:p>
-          <a:p>
-            <a:pPr>
-              <a:spcBef>
-                <a:spcPts val="800"/>
-              </a:spcBef>
-              <a:spcAft>
-                <a:spcPts val="800"/>
-              </a:spcAft>
-              <a:defRPr sz="2000">
-                <a:solidFill>
-                  <a:srgbClr val="FFFFFF"/>
-                </a:solidFill>
-              </a:defRPr>
-            </a:pPr>
-            <a:r>
-              <a:t>Persistence: Data survives detach/reattach and VM deletion.</a:t>
-            </a:r>
-          </a:p>
-          <a:p>
-            <a:pPr>
-              <a:spcBef>
-                <a:spcPts val="800"/>
-              </a:spcBef>
-              <a:spcAft>
-                <a:spcPts val="800"/>
-              </a:spcAft>
-              <a:defRPr sz="2000">
-                <a:solidFill>
-                  <a:srgbClr val="FFFFFF"/>
-                </a:solidFill>
-              </a:defRPr>
-            </a:pPr>
-            <a:r>
-              <a:t>Why doesn't the volume show up automatically in /mnt when you attach it?</a:t>
-            </a:r>
-          </a:p>
-          <a:p>
-            <a:pPr>
-              <a:spcBef>
-                <a:spcPts val="800"/>
-              </a:spcBef>
-              <a:spcAft>
-                <a:spcPts val="800"/>
-              </a:spcAft>
-              <a:defRPr sz="2000">
-                <a:solidFill>
-                  <a:srgbClr val="FFFFFF"/>
-                </a:solidFill>
-              </a:defRPr>
-            </a:pPr>
-            <a:r>
-              <a:t>What Linux command lists all block devices? (lsblk).</a:t>
+              <a:t>Before executing any destructive changes or updates to the database, standard procedure dictates creating a snapshot to preserve the current state.</a:t>
             </a:r>
           </a:p>
         </p:txBody>
@@ -9155,6 +9287,204 @@
 </file>
 
 <file path=ppt/slides/slide29.xml><?xml version="1.0" encoding="utf-8"?>
+<p:sld xmlns:a="http://schemas.openxmlformats.org/drawingml/2006/main" xmlns:p="http://schemas.openxmlformats.org/presentationml/2006/main" xmlns:r="http://schemas.openxmlformats.org/officeDocument/2006/relationships">
+  <p:cSld>
+    <p:bg>
+      <p:bgPr>
+        <a:solidFill>
+          <a:srgbClr val="142A46"/>
+        </a:solidFill>
+        <a:effectLst/>
+      </p:bgPr>
+    </p:bg>
+    <p:spTree>
+      <p:nvGrpSpPr>
+        <p:cNvPr id="1" name=""/>
+        <p:cNvGrpSpPr/>
+        <p:nvPr/>
+      </p:nvGrpSpPr>
+      <p:grpSpPr/>
+      <p:pic>
+        <p:nvPicPr>
+          <p:cNvPr id="2" name="Picture 1" descr="ops3_logo.png"/>
+          <p:cNvPicPr>
+            <a:picLocks noChangeAspect="1"/>
+          </p:cNvPicPr>
+          <p:nvPr/>
+        </p:nvPicPr>
+        <p:blipFill>
+          <a:blip r:embed="rId2"/>
+          <a:stretch>
+            <a:fillRect/>
+          </a:stretch>
+        </p:blipFill>
+        <p:spPr>
+          <a:xfrm>
+            <a:off x="274320" y="274320"/>
+            <a:ext cx="581649" cy="548640"/>
+          </a:xfrm>
+          <a:prstGeom prst="rect">
+            <a:avLst/>
+          </a:prstGeom>
+        </p:spPr>
+      </p:pic>
+      <p:sp>
+        <p:nvSpPr>
+          <p:cNvPr id="3" name="TextBox 2"/>
+          <p:cNvSpPr txBox="1"/>
+          <p:nvPr/>
+        </p:nvSpPr>
+        <p:spPr>
+          <a:xfrm>
+            <a:off x="457200" y="914400"/>
+            <a:ext cx="8229600" cy="640080"/>
+          </a:xfrm>
+          <a:prstGeom prst="rect">
+            <a:avLst/>
+          </a:prstGeom>
+          <a:noFill/>
+        </p:spPr>
+        <p:txBody>
+          <a:bodyPr wrap="none">
+            <a:spAutoFit/>
+          </a:bodyPr>
+          <a:lstStyle/>
+          <a:p>
+            <a:pPr>
+              <a:defRPr sz="3200" b="1">
+                <a:solidFill>
+                  <a:srgbClr val="C9984A"/>
+                </a:solidFill>
+              </a:defRPr>
+            </a:pPr>
+            <a:r>
+              <a:t>Section 4 Checkpoint</a:t>
+            </a:r>
+          </a:p>
+        </p:txBody>
+      </p:sp>
+      <p:sp>
+        <p:nvSpPr>
+          <p:cNvPr id="4" name="TextBox 3"/>
+          <p:cNvSpPr txBox="1"/>
+          <p:nvPr/>
+        </p:nvSpPr>
+        <p:spPr>
+          <a:xfrm>
+            <a:off x="731520" y="1737360"/>
+            <a:ext cx="7680960" cy="4389120"/>
+          </a:xfrm>
+          <a:prstGeom prst="rect">
+            <a:avLst/>
+          </a:prstGeom>
+          <a:noFill/>
+        </p:spPr>
+        <p:txBody>
+          <a:bodyPr wrap="square">
+            <a:spAutoFit/>
+          </a:bodyPr>
+          <a:lstStyle/>
+          <a:p>
+            <a:pPr>
+              <a:spcBef>
+                <a:spcPts val="800"/>
+              </a:spcBef>
+              <a:spcAft>
+                <a:spcPts val="800"/>
+              </a:spcAft>
+              <a:defRPr sz="2000">
+                <a:solidFill>
+                  <a:srgbClr val="FFFFFF"/>
+                </a:solidFill>
+              </a:defRPr>
+            </a:pPr>
+            <a:r>
+              <a:t>Process: Create Volume -&gt; Attach to VM -&gt; Format (mkfs) -&gt; Mount.</a:t>
+            </a:r>
+          </a:p>
+          <a:p>
+            <a:pPr>
+              <a:spcBef>
+                <a:spcPts val="800"/>
+              </a:spcBef>
+              <a:spcAft>
+                <a:spcPts val="800"/>
+              </a:spcAft>
+              <a:defRPr sz="2000">
+                <a:solidFill>
+                  <a:srgbClr val="FFFFFF"/>
+                </a:solidFill>
+              </a:defRPr>
+            </a:pPr>
+            <a:r>
+              <a:t>Guest Responsibility: The Cloud Provider connects the wire; YOU must format the disk.</a:t>
+            </a:r>
+          </a:p>
+          <a:p>
+            <a:pPr>
+              <a:spcBef>
+                <a:spcPts val="800"/>
+              </a:spcBef>
+              <a:spcAft>
+                <a:spcPts val="800"/>
+              </a:spcAft>
+              <a:defRPr sz="2000">
+                <a:solidFill>
+                  <a:srgbClr val="FFFFFF"/>
+                </a:solidFill>
+              </a:defRPr>
+            </a:pPr>
+            <a:r>
+              <a:t>Persistence: Data survives detach/reattach and VM deletion.</a:t>
+            </a:r>
+          </a:p>
+          <a:p>
+            <a:pPr>
+              <a:spcBef>
+                <a:spcPts val="800"/>
+              </a:spcBef>
+              <a:spcAft>
+                <a:spcPts val="800"/>
+              </a:spcAft>
+              <a:defRPr sz="2000">
+                <a:solidFill>
+                  <a:srgbClr val="FFFFFF"/>
+                </a:solidFill>
+              </a:defRPr>
+            </a:pPr>
+            <a:r>
+              <a:t>Why doesn't the volume show up automatically in /mnt when you attach it?</a:t>
+            </a:r>
+          </a:p>
+          <a:p>
+            <a:pPr>
+              <a:spcBef>
+                <a:spcPts val="800"/>
+              </a:spcBef>
+              <a:spcAft>
+                <a:spcPts val="800"/>
+              </a:spcAft>
+              <a:defRPr sz="2000">
+                <a:solidFill>
+                  <a:srgbClr val="FFFFFF"/>
+                </a:solidFill>
+              </a:defRPr>
+            </a:pPr>
+            <a:r>
+              <a:t>What Linux command lists all block devices? (lsblk).</a:t>
+            </a:r>
+          </a:p>
+        </p:txBody>
+      </p:sp>
+    </p:spTree>
+  </p:cSld>
+  <p:clrMapOvr>
+    <a:masterClrMapping/>
+  </p:clrMapOvr>
+</p:sld>
+</file>
+
+<file path=ppt/slides/slide3.xml><?xml version="1.0" encoding="utf-8"?>
 <p:sld xmlns:a="http://schemas.openxmlformats.org/drawingml/2006/main" xmlns:p="http://schemas.openxmlformats.org/presentationml/2006/main" xmlns:r="http://schemas.openxmlformats.org/officeDocument/2006/relationships">
   <p:cSld>
     <p:bg>
@@ -9226,205 +9556,7 @@
               </a:defRPr>
             </a:pPr>
             <a:r>
-              <a:t>5. Industry Comparison: Storage</a:t>
-            </a:r>
-          </a:p>
-        </p:txBody>
-      </p:sp>
-    </p:spTree>
-  </p:cSld>
-  <p:clrMapOvr>
-    <a:masterClrMapping/>
-  </p:clrMapOvr>
-</p:sld>
-</file>
-
-<file path=ppt/slides/slide3.xml><?xml version="1.0" encoding="utf-8"?>
-<p:sld xmlns:a="http://schemas.openxmlformats.org/drawingml/2006/main" xmlns:p="http://schemas.openxmlformats.org/presentationml/2006/main" xmlns:r="http://schemas.openxmlformats.org/officeDocument/2006/relationships">
-  <p:cSld>
-    <p:bg>
-      <p:bgPr>
-        <a:solidFill>
-          <a:srgbClr val="142A46"/>
-        </a:solidFill>
-        <a:effectLst/>
-      </p:bgPr>
-    </p:bg>
-    <p:spTree>
-      <p:nvGrpSpPr>
-        <p:cNvPr id="1" name=""/>
-        <p:cNvGrpSpPr/>
-        <p:nvPr/>
-      </p:nvGrpSpPr>
-      <p:grpSpPr/>
-      <p:pic>
-        <p:nvPicPr>
-          <p:cNvPr id="2" name="Picture 1" descr="ops3_logo.png"/>
-          <p:cNvPicPr>
-            <a:picLocks noChangeAspect="1"/>
-          </p:cNvPicPr>
-          <p:nvPr/>
-        </p:nvPicPr>
-        <p:blipFill>
-          <a:blip r:embed="rId2"/>
-          <a:stretch>
-            <a:fillRect/>
-          </a:stretch>
-        </p:blipFill>
-        <p:spPr>
-          <a:xfrm>
-            <a:off x="274320" y="274320"/>
-            <a:ext cx="581649" cy="548640"/>
-          </a:xfrm>
-          <a:prstGeom prst="rect">
-            <a:avLst/>
-          </a:prstGeom>
-        </p:spPr>
-      </p:pic>
-      <p:sp>
-        <p:nvSpPr>
-          <p:cNvPr id="3" name="TextBox 2"/>
-          <p:cNvSpPr txBox="1"/>
-          <p:nvPr/>
-        </p:nvSpPr>
-        <p:spPr>
-          <a:xfrm>
-            <a:off x="457200" y="914400"/>
-            <a:ext cx="8229600" cy="640080"/>
-          </a:xfrm>
-          <a:prstGeom prst="rect">
-            <a:avLst/>
-          </a:prstGeom>
-          <a:noFill/>
-        </p:spPr>
-        <p:txBody>
-          <a:bodyPr wrap="none">
-            <a:spAutoFit/>
-          </a:bodyPr>
-          <a:lstStyle/>
-          <a:p>
-            <a:pPr>
-              <a:defRPr sz="3200" b="1">
-                <a:solidFill>
-                  <a:srgbClr val="C9984A"/>
-                </a:solidFill>
-              </a:defRPr>
-            </a:pPr>
-            <a:r>
-              <a:t>1.1 Ephemeral vs. Persistent Storage</a:t>
-            </a:r>
-          </a:p>
-        </p:txBody>
-      </p:sp>
-      <p:sp>
-        <p:nvSpPr>
-          <p:cNvPr id="4" name="TextBox 3"/>
-          <p:cNvSpPr txBox="1"/>
-          <p:nvPr/>
-        </p:nvSpPr>
-        <p:spPr>
-          <a:xfrm>
-            <a:off x="731520" y="1737360"/>
-            <a:ext cx="7680960" cy="4389120"/>
-          </a:xfrm>
-          <a:prstGeom prst="rect">
-            <a:avLst/>
-          </a:prstGeom>
-          <a:noFill/>
-        </p:spPr>
-        <p:txBody>
-          <a:bodyPr wrap="square">
-            <a:spAutoFit/>
-          </a:bodyPr>
-          <a:lstStyle/>
-          <a:p>
-            <a:pPr>
-              <a:spcBef>
-                <a:spcPts val="800"/>
-              </a:spcBef>
-              <a:spcAft>
-                <a:spcPts val="800"/>
-              </a:spcAft>
-              <a:defRPr sz="2000">
-                <a:solidFill>
-                  <a:srgbClr val="FFFFFF"/>
-                </a:solidFill>
-              </a:defRPr>
-            </a:pPr>
-            <a:r>
-              <a:t>It is crucial to distinguish between the two primary ephemeral and persistent storage models in cloud architectures.</a:t>
-            </a:r>
-          </a:p>
-          <a:p>
-            <a:pPr>
-              <a:spcBef>
-                <a:spcPts val="800"/>
-              </a:spcBef>
-              <a:spcAft>
-                <a:spcPts val="800"/>
-              </a:spcAft>
-              <a:defRPr sz="2000">
-                <a:solidFill>
-                  <a:srgbClr val="FFFFFF"/>
-                </a:solidFill>
-              </a:defRPr>
-            </a:pPr>
-            <a:r>
-              <a:t>Ephemeral Storage (Nova) is strictly tied to the lifecycle of the Compute Instance.</a:t>
-            </a:r>
-          </a:p>
-          <a:p>
-            <a:pPr>
-              <a:spcBef>
-                <a:spcPts val="800"/>
-              </a:spcBef>
-              <a:spcAft>
-                <a:spcPts val="800"/>
-              </a:spcAft>
-              <a:defRPr sz="2000">
-                <a:solidFill>
-                  <a:srgbClr val="FFFFFF"/>
-                </a:solidFill>
-              </a:defRPr>
-            </a:pPr>
-            <a:r>
-              <a:t>It functions effectively as a local scratch disk, optimized for operating system caches and temporary file processing.</a:t>
-            </a:r>
-          </a:p>
-          <a:p>
-            <a:pPr>
-              <a:spcBef>
-                <a:spcPts val="800"/>
-              </a:spcBef>
-              <a:spcAft>
-                <a:spcPts val="800"/>
-              </a:spcAft>
-              <a:defRPr sz="2000">
-                <a:solidFill>
-                  <a:srgbClr val="FFFFFF"/>
-                </a:solidFill>
-              </a:defRPr>
-            </a:pPr>
-            <a:r>
-              <a:t>However, if the instance is terminated or the underlying hypervisor fails, this data is irrevocably lost.</a:t>
-            </a:r>
-          </a:p>
-          <a:p>
-            <a:pPr>
-              <a:spcBef>
-                <a:spcPts val="800"/>
-              </a:spcBef>
-              <a:spcAft>
-                <a:spcPts val="800"/>
-              </a:spcAft>
-              <a:defRPr sz="2000">
-                <a:solidFill>
-                  <a:srgbClr val="FFFFFF"/>
-                </a:solidFill>
-              </a:defRPr>
-            </a:pPr>
-            <a:r>
-              <a:t>In contrast, Persistent Storage (Cinder) operates as an independent capability.</a:t>
+              <a:t>1. The Hierarchy of Cloud Storage</a:t>
             </a:r>
           </a:p>
         </p:txBody>
@@ -9509,7 +9641,7 @@
               </a:defRPr>
             </a:pPr>
             <a:r>
-              <a:t>7. Summary and Next Steps</a:t>
+              <a:t>5. Industry Comparison: Storage</a:t>
             </a:r>
           </a:p>
         </p:txBody>
@@ -9523,6 +9655,91 @@
 </file>
 
 <file path=ppt/slides/slide31.xml><?xml version="1.0" encoding="utf-8"?>
+<p:sld xmlns:a="http://schemas.openxmlformats.org/drawingml/2006/main" xmlns:p="http://schemas.openxmlformats.org/presentationml/2006/main" xmlns:r="http://schemas.openxmlformats.org/officeDocument/2006/relationships">
+  <p:cSld>
+    <p:bg>
+      <p:bgPr>
+        <a:solidFill>
+          <a:srgbClr val="1E3A5F"/>
+        </a:solidFill>
+        <a:effectLst/>
+      </p:bgPr>
+    </p:bg>
+    <p:spTree>
+      <p:nvGrpSpPr>
+        <p:cNvPr id="1" name=""/>
+        <p:cNvGrpSpPr/>
+        <p:nvPr/>
+      </p:nvGrpSpPr>
+      <p:grpSpPr/>
+      <p:pic>
+        <p:nvPicPr>
+          <p:cNvPr id="2" name="Picture 1" descr="ops3_logo.png"/>
+          <p:cNvPicPr>
+            <a:picLocks noChangeAspect="1"/>
+          </p:cNvPicPr>
+          <p:nvPr/>
+        </p:nvPicPr>
+        <p:blipFill>
+          <a:blip r:embed="rId2"/>
+          <a:stretch>
+            <a:fillRect/>
+          </a:stretch>
+        </p:blipFill>
+        <p:spPr>
+          <a:xfrm>
+            <a:off x="274320" y="274320"/>
+            <a:ext cx="581649" cy="548640"/>
+          </a:xfrm>
+          <a:prstGeom prst="rect">
+            <a:avLst/>
+          </a:prstGeom>
+        </p:spPr>
+      </p:pic>
+      <p:sp>
+        <p:nvSpPr>
+          <p:cNvPr id="3" name="TextBox 2"/>
+          <p:cNvSpPr txBox="1"/>
+          <p:nvPr/>
+        </p:nvSpPr>
+        <p:spPr>
+          <a:xfrm>
+            <a:off x="914400" y="2286000"/>
+            <a:ext cx="7315200" cy="1828800"/>
+          </a:xfrm>
+          <a:prstGeom prst="rect">
+            <a:avLst/>
+          </a:prstGeom>
+          <a:noFill/>
+        </p:spPr>
+        <p:txBody>
+          <a:bodyPr wrap="square">
+            <a:spAutoFit/>
+          </a:bodyPr>
+          <a:lstStyle/>
+          <a:p>
+            <a:pPr algn="ctr">
+              <a:defRPr sz="4800" b="1">
+                <a:solidFill>
+                  <a:srgbClr val="C9984A"/>
+                </a:solidFill>
+              </a:defRPr>
+            </a:pPr>
+            <a:r>
+              <a:t>7. Summary and Next Steps</a:t>
+            </a:r>
+          </a:p>
+        </p:txBody>
+      </p:sp>
+    </p:spTree>
+  </p:cSld>
+  <p:clrMapOvr>
+    <a:masterClrMapping/>
+  </p:clrMapOvr>
+</p:sld>
+</file>
+
+<file path=ppt/slides/slide32.xml><?xml version="1.0" encoding="utf-8"?>
 <p:sld xmlns:a="http://schemas.openxmlformats.org/drawingml/2006/main" xmlns:p="http://schemas.openxmlformats.org/presentationml/2006/main" xmlns:r="http://schemas.openxmlformats.org/officeDocument/2006/relationships">
   <p:cSld>
     <p:bg>
@@ -9672,91 +9889,6 @@
             </a:pPr>
             <a:r>
               <a:t>Review your Linux command line skills (loops and variables) for next week.</a:t>
-            </a:r>
-          </a:p>
-        </p:txBody>
-      </p:sp>
-    </p:spTree>
-  </p:cSld>
-  <p:clrMapOvr>
-    <a:masterClrMapping/>
-  </p:clrMapOvr>
-</p:sld>
-</file>
-
-<file path=ppt/slides/slide32.xml><?xml version="1.0" encoding="utf-8"?>
-<p:sld xmlns:a="http://schemas.openxmlformats.org/drawingml/2006/main" xmlns:p="http://schemas.openxmlformats.org/presentationml/2006/main" xmlns:r="http://schemas.openxmlformats.org/officeDocument/2006/relationships">
-  <p:cSld>
-    <p:bg>
-      <p:bgPr>
-        <a:solidFill>
-          <a:srgbClr val="1E3A5F"/>
-        </a:solidFill>
-        <a:effectLst/>
-      </p:bgPr>
-    </p:bg>
-    <p:spTree>
-      <p:nvGrpSpPr>
-        <p:cNvPr id="1" name=""/>
-        <p:cNvGrpSpPr/>
-        <p:nvPr/>
-      </p:nvGrpSpPr>
-      <p:grpSpPr/>
-      <p:pic>
-        <p:nvPicPr>
-          <p:cNvPr id="2" name="Picture 1" descr="ops3_logo.png"/>
-          <p:cNvPicPr>
-            <a:picLocks noChangeAspect="1"/>
-          </p:cNvPicPr>
-          <p:nvPr/>
-        </p:nvPicPr>
-        <p:blipFill>
-          <a:blip r:embed="rId2"/>
-          <a:stretch>
-            <a:fillRect/>
-          </a:stretch>
-        </p:blipFill>
-        <p:spPr>
-          <a:xfrm>
-            <a:off x="274320" y="274320"/>
-            <a:ext cx="581649" cy="548640"/>
-          </a:xfrm>
-          <a:prstGeom prst="rect">
-            <a:avLst/>
-          </a:prstGeom>
-        </p:spPr>
-      </p:pic>
-      <p:sp>
-        <p:nvSpPr>
-          <p:cNvPr id="3" name="TextBox 2"/>
-          <p:cNvSpPr txBox="1"/>
-          <p:nvPr/>
-        </p:nvSpPr>
-        <p:spPr>
-          <a:xfrm>
-            <a:off x="914400" y="2286000"/>
-            <a:ext cx="7315200" cy="1828800"/>
-          </a:xfrm>
-          <a:prstGeom prst="rect">
-            <a:avLst/>
-          </a:prstGeom>
-          <a:noFill/>
-        </p:spPr>
-        <p:txBody>
-          <a:bodyPr wrap="square">
-            <a:spAutoFit/>
-          </a:bodyPr>
-          <a:lstStyle/>
-          <a:p>
-            <a:pPr algn="ctr">
-              <a:defRPr sz="4800" b="1">
-                <a:solidFill>
-                  <a:srgbClr val="C9984A"/>
-                </a:solidFill>
-              </a:defRPr>
-            </a:pPr>
-            <a:r>
-              <a:t>8. Additional Resources</a:t>
             </a:r>
           </a:p>
         </p:txBody>
@@ -9841,7 +9973,7 @@
               </a:defRPr>
             </a:pPr>
             <a:r>
-              <a:t>9. Lab Exercises</a:t>
+              <a:t>8. Additional Resources</a:t>
             </a:r>
           </a:p>
         </p:txBody>
@@ -9926,6 +10058,91 @@
               </a:defRPr>
             </a:pPr>
             <a:r>
+              <a:t>9. Lab Exercises</a:t>
+            </a:r>
+          </a:p>
+        </p:txBody>
+      </p:sp>
+    </p:spTree>
+  </p:cSld>
+  <p:clrMapOvr>
+    <a:masterClrMapping/>
+  </p:clrMapOvr>
+</p:sld>
+</file>
+
+<file path=ppt/slides/slide35.xml><?xml version="1.0" encoding="utf-8"?>
+<p:sld xmlns:a="http://schemas.openxmlformats.org/drawingml/2006/main" xmlns:p="http://schemas.openxmlformats.org/presentationml/2006/main" xmlns:r="http://schemas.openxmlformats.org/officeDocument/2006/relationships">
+  <p:cSld>
+    <p:bg>
+      <p:bgPr>
+        <a:solidFill>
+          <a:srgbClr val="1E3A5F"/>
+        </a:solidFill>
+        <a:effectLst/>
+      </p:bgPr>
+    </p:bg>
+    <p:spTree>
+      <p:nvGrpSpPr>
+        <p:cNvPr id="1" name=""/>
+        <p:cNvGrpSpPr/>
+        <p:nvPr/>
+      </p:nvGrpSpPr>
+      <p:grpSpPr/>
+      <p:pic>
+        <p:nvPicPr>
+          <p:cNvPr id="2" name="Picture 1" descr="ops3_logo.png"/>
+          <p:cNvPicPr>
+            <a:picLocks noChangeAspect="1"/>
+          </p:cNvPicPr>
+          <p:nvPr/>
+        </p:nvPicPr>
+        <p:blipFill>
+          <a:blip r:embed="rId2"/>
+          <a:stretch>
+            <a:fillRect/>
+          </a:stretch>
+        </p:blipFill>
+        <p:spPr>
+          <a:xfrm>
+            <a:off x="274320" y="274320"/>
+            <a:ext cx="581649" cy="548640"/>
+          </a:xfrm>
+          <a:prstGeom prst="rect">
+            <a:avLst/>
+          </a:prstGeom>
+        </p:spPr>
+      </p:pic>
+      <p:sp>
+        <p:nvSpPr>
+          <p:cNvPr id="3" name="TextBox 2"/>
+          <p:cNvSpPr txBox="1"/>
+          <p:nvPr/>
+        </p:nvSpPr>
+        <p:spPr>
+          <a:xfrm>
+            <a:off x="914400" y="2286000"/>
+            <a:ext cx="7315200" cy="1828800"/>
+          </a:xfrm>
+          <a:prstGeom prst="rect">
+            <a:avLst/>
+          </a:prstGeom>
+          <a:noFill/>
+        </p:spPr>
+        <p:txBody>
+          <a:bodyPr wrap="square">
+            <a:spAutoFit/>
+          </a:bodyPr>
+          <a:lstStyle/>
+          <a:p>
+            <a:pPr algn="ctr">
+              <a:defRPr sz="4800" b="1">
+                <a:solidFill>
+                  <a:srgbClr val="C9984A"/>
+                </a:solidFill>
+              </a:defRPr>
+            </a:pPr>
+            <a:r>
               <a:t>Summary</a:t>
             </a:r>
           </a:p>
@@ -10011,7 +10228,7 @@
               </a:defRPr>
             </a:pPr>
             <a:r>
-              <a:t>Section 1 Checkpoint</a:t>
+              <a:t>1.1 Ephemeral vs. Persistent Storage</a:t>
             </a:r>
           </a:p>
         </p:txBody>
@@ -10052,7 +10269,7 @@
               </a:defRPr>
             </a:pPr>
             <a:r>
-              <a:t>Ephemeral Storage (Nova): Temporary, fast, dies with the VM. Use for OS / Cache.</a:t>
+              <a:t>It is crucial to distinguish between the two primary ephemeral and persistent storage models in cloud architectures.</a:t>
             </a:r>
           </a:p>
           <a:p>
@@ -10070,7 +10287,7 @@
               </a:defRPr>
             </a:pPr>
             <a:r>
-              <a:t>Persistent Storage (Cinder): Durable, independent, survives VM deletion. Use for Databases / Critical Data.</a:t>
+              <a:t>Ephemeral Storage (Nova) is strictly tied to the lifecycle of the Compute Instance.</a:t>
             </a:r>
           </a:p>
           <a:p>
@@ -10088,7 +10305,7 @@
               </a:defRPr>
             </a:pPr>
             <a:r>
-              <a:t>Analogy: Ephemeral is RAM/Swap; Persistent is the Hard Drive.</a:t>
+              <a:t>It functions effectively as a local scratch disk, optimized for operating system caches and temporary file processing.</a:t>
             </a:r>
           </a:p>
           <a:p>
@@ -10106,7 +10323,7 @@
               </a:defRPr>
             </a:pPr>
             <a:r>
-              <a:t>Why shouldn't you store your customer MySQL database on the Nova Ephemeral disk?</a:t>
+              <a:t>However, if the instance is terminated or the underlying hypervisor fails, this data is irrevocably lost.</a:t>
             </a:r>
           </a:p>
           <a:p>
@@ -10124,7 +10341,7 @@
               </a:defRPr>
             </a:pPr>
             <a:r>
-              <a:t>If you delete a Cinder Volume, is the data recoverable? (Hint: Only if you have a Backup).</a:t>
+              <a:t>In contrast, Persistent Storage (Cinder) operates as an independent capability.</a:t>
             </a:r>
           </a:p>
         </p:txBody>
@@ -10138,6 +10355,204 @@
 </file>
 
 <file path=ppt/slides/slide5.xml><?xml version="1.0" encoding="utf-8"?>
+<p:sld xmlns:a="http://schemas.openxmlformats.org/drawingml/2006/main" xmlns:p="http://schemas.openxmlformats.org/presentationml/2006/main" xmlns:r="http://schemas.openxmlformats.org/officeDocument/2006/relationships">
+  <p:cSld>
+    <p:bg>
+      <p:bgPr>
+        <a:solidFill>
+          <a:srgbClr val="142A46"/>
+        </a:solidFill>
+        <a:effectLst/>
+      </p:bgPr>
+    </p:bg>
+    <p:spTree>
+      <p:nvGrpSpPr>
+        <p:cNvPr id="1" name=""/>
+        <p:cNvGrpSpPr/>
+        <p:nvPr/>
+      </p:nvGrpSpPr>
+      <p:grpSpPr/>
+      <p:pic>
+        <p:nvPicPr>
+          <p:cNvPr id="2" name="Picture 1" descr="ops3_logo.png"/>
+          <p:cNvPicPr>
+            <a:picLocks noChangeAspect="1"/>
+          </p:cNvPicPr>
+          <p:nvPr/>
+        </p:nvPicPr>
+        <p:blipFill>
+          <a:blip r:embed="rId2"/>
+          <a:stretch>
+            <a:fillRect/>
+          </a:stretch>
+        </p:blipFill>
+        <p:spPr>
+          <a:xfrm>
+            <a:off x="274320" y="274320"/>
+            <a:ext cx="581649" cy="548640"/>
+          </a:xfrm>
+          <a:prstGeom prst="rect">
+            <a:avLst/>
+          </a:prstGeom>
+        </p:spPr>
+      </p:pic>
+      <p:sp>
+        <p:nvSpPr>
+          <p:cNvPr id="3" name="TextBox 2"/>
+          <p:cNvSpPr txBox="1"/>
+          <p:nvPr/>
+        </p:nvSpPr>
+        <p:spPr>
+          <a:xfrm>
+            <a:off x="457200" y="914400"/>
+            <a:ext cx="8229600" cy="640080"/>
+          </a:xfrm>
+          <a:prstGeom prst="rect">
+            <a:avLst/>
+          </a:prstGeom>
+          <a:noFill/>
+        </p:spPr>
+        <p:txBody>
+          <a:bodyPr wrap="none">
+            <a:spAutoFit/>
+          </a:bodyPr>
+          <a:lstStyle/>
+          <a:p>
+            <a:pPr>
+              <a:defRPr sz="3200" b="1">
+                <a:solidFill>
+                  <a:srgbClr val="C9984A"/>
+                </a:solidFill>
+              </a:defRPr>
+            </a:pPr>
+            <a:r>
+              <a:t>Section 1 Checkpoint</a:t>
+            </a:r>
+          </a:p>
+        </p:txBody>
+      </p:sp>
+      <p:sp>
+        <p:nvSpPr>
+          <p:cNvPr id="4" name="TextBox 3"/>
+          <p:cNvSpPr txBox="1"/>
+          <p:nvPr/>
+        </p:nvSpPr>
+        <p:spPr>
+          <a:xfrm>
+            <a:off x="731520" y="1737360"/>
+            <a:ext cx="7680960" cy="4389120"/>
+          </a:xfrm>
+          <a:prstGeom prst="rect">
+            <a:avLst/>
+          </a:prstGeom>
+          <a:noFill/>
+        </p:spPr>
+        <p:txBody>
+          <a:bodyPr wrap="square">
+            <a:spAutoFit/>
+          </a:bodyPr>
+          <a:lstStyle/>
+          <a:p>
+            <a:pPr>
+              <a:spcBef>
+                <a:spcPts val="800"/>
+              </a:spcBef>
+              <a:spcAft>
+                <a:spcPts val="800"/>
+              </a:spcAft>
+              <a:defRPr sz="2000">
+                <a:solidFill>
+                  <a:srgbClr val="FFFFFF"/>
+                </a:solidFill>
+              </a:defRPr>
+            </a:pPr>
+            <a:r>
+              <a:t>Ephemeral Storage (Nova): Temporary, fast, dies with the VM. Use for OS / Cache.</a:t>
+            </a:r>
+          </a:p>
+          <a:p>
+            <a:pPr>
+              <a:spcBef>
+                <a:spcPts val="800"/>
+              </a:spcBef>
+              <a:spcAft>
+                <a:spcPts val="800"/>
+              </a:spcAft>
+              <a:defRPr sz="2000">
+                <a:solidFill>
+                  <a:srgbClr val="FFFFFF"/>
+                </a:solidFill>
+              </a:defRPr>
+            </a:pPr>
+            <a:r>
+              <a:t>Persistent Storage (Cinder): Durable, independent, survives VM deletion. Use for Databases / Critical Data.</a:t>
+            </a:r>
+          </a:p>
+          <a:p>
+            <a:pPr>
+              <a:spcBef>
+                <a:spcPts val="800"/>
+              </a:spcBef>
+              <a:spcAft>
+                <a:spcPts val="800"/>
+              </a:spcAft>
+              <a:defRPr sz="2000">
+                <a:solidFill>
+                  <a:srgbClr val="FFFFFF"/>
+                </a:solidFill>
+              </a:defRPr>
+            </a:pPr>
+            <a:r>
+              <a:t>Analogy: Ephemeral is RAM/Swap; Persistent is the Hard Drive.</a:t>
+            </a:r>
+          </a:p>
+          <a:p>
+            <a:pPr>
+              <a:spcBef>
+                <a:spcPts val="800"/>
+              </a:spcBef>
+              <a:spcAft>
+                <a:spcPts val="800"/>
+              </a:spcAft>
+              <a:defRPr sz="2000">
+                <a:solidFill>
+                  <a:srgbClr val="FFFFFF"/>
+                </a:solidFill>
+              </a:defRPr>
+            </a:pPr>
+            <a:r>
+              <a:t>Why shouldn't you store your customer MySQL database on the Nova Ephemeral disk?</a:t>
+            </a:r>
+          </a:p>
+          <a:p>
+            <a:pPr>
+              <a:spcBef>
+                <a:spcPts val="800"/>
+              </a:spcBef>
+              <a:spcAft>
+                <a:spcPts val="800"/>
+              </a:spcAft>
+              <a:defRPr sz="2000">
+                <a:solidFill>
+                  <a:srgbClr val="FFFFFF"/>
+                </a:solidFill>
+              </a:defRPr>
+            </a:pPr>
+            <a:r>
+              <a:t>If you delete a Cinder Volume, is the data recoverable? (Hint: Only if you have a Backup).</a:t>
+            </a:r>
+          </a:p>
+        </p:txBody>
+      </p:sp>
+    </p:spTree>
+  </p:cSld>
+  <p:clrMapOvr>
+    <a:masterClrMapping/>
+  </p:clrMapOvr>
+</p:sld>
+</file>
+
+<file path=ppt/slides/slide6.xml><?xml version="1.0" encoding="utf-8"?>
 <p:sld xmlns:a="http://schemas.openxmlformats.org/drawingml/2006/main" xmlns:p="http://schemas.openxmlformats.org/presentationml/2006/main" xmlns:r="http://schemas.openxmlformats.org/officeDocument/2006/relationships">
   <p:cSld>
     <p:bg>
@@ -10210,168 +10625,6 @@
             </a:pPr>
             <a:r>
               <a:t>2. Block Storage Architecture (Cinder)</a:t>
-            </a:r>
-          </a:p>
-        </p:txBody>
-      </p:sp>
-    </p:spTree>
-  </p:cSld>
-  <p:clrMapOvr>
-    <a:masterClrMapping/>
-  </p:clrMapOvr>
-</p:sld>
-</file>
-
-<file path=ppt/slides/slide6.xml><?xml version="1.0" encoding="utf-8"?>
-<p:sld xmlns:a="http://schemas.openxmlformats.org/drawingml/2006/main" xmlns:p="http://schemas.openxmlformats.org/presentationml/2006/main" xmlns:r="http://schemas.openxmlformats.org/officeDocument/2006/relationships">
-  <p:cSld>
-    <p:bg>
-      <p:bgPr>
-        <a:solidFill>
-          <a:srgbClr val="142A46"/>
-        </a:solidFill>
-        <a:effectLst/>
-      </p:bgPr>
-    </p:bg>
-    <p:spTree>
-      <p:nvGrpSpPr>
-        <p:cNvPr id="1" name=""/>
-        <p:cNvGrpSpPr/>
-        <p:nvPr/>
-      </p:nvGrpSpPr>
-      <p:grpSpPr/>
-      <p:pic>
-        <p:nvPicPr>
-          <p:cNvPr id="2" name="Picture 1" descr="ops3_logo.png"/>
-          <p:cNvPicPr>
-            <a:picLocks noChangeAspect="1"/>
-          </p:cNvPicPr>
-          <p:nvPr/>
-        </p:nvPicPr>
-        <p:blipFill>
-          <a:blip r:embed="rId2"/>
-          <a:stretch>
-            <a:fillRect/>
-          </a:stretch>
-        </p:blipFill>
-        <p:spPr>
-          <a:xfrm>
-            <a:off x="274320" y="274320"/>
-            <a:ext cx="581649" cy="548640"/>
-          </a:xfrm>
-          <a:prstGeom prst="rect">
-            <a:avLst/>
-          </a:prstGeom>
-        </p:spPr>
-      </p:pic>
-      <p:sp>
-        <p:nvSpPr>
-          <p:cNvPr id="3" name="TextBox 2"/>
-          <p:cNvSpPr txBox="1"/>
-          <p:nvPr/>
-        </p:nvSpPr>
-        <p:spPr>
-          <a:xfrm>
-            <a:off x="457200" y="914400"/>
-            <a:ext cx="8229600" cy="640080"/>
-          </a:xfrm>
-          <a:prstGeom prst="rect">
-            <a:avLst/>
-          </a:prstGeom>
-          <a:noFill/>
-        </p:spPr>
-        <p:txBody>
-          <a:bodyPr wrap="none">
-            <a:spAutoFit/>
-          </a:bodyPr>
-          <a:lstStyle/>
-          <a:p>
-            <a:pPr>
-              <a:defRPr sz="3200" b="1">
-                <a:solidFill>
-                  <a:srgbClr val="C9984A"/>
-                </a:solidFill>
-              </a:defRPr>
-            </a:pPr>
-            <a:r>
-              <a:t>2.1 The Driver Model</a:t>
-            </a:r>
-          </a:p>
-        </p:txBody>
-      </p:sp>
-      <p:sp>
-        <p:nvSpPr>
-          <p:cNvPr id="4" name="TextBox 3"/>
-          <p:cNvSpPr txBox="1"/>
-          <p:nvPr/>
-        </p:nvSpPr>
-        <p:spPr>
-          <a:xfrm>
-            <a:off x="731520" y="1737360"/>
-            <a:ext cx="7680960" cy="4389120"/>
-          </a:xfrm>
-          <a:prstGeom prst="rect">
-            <a:avLst/>
-          </a:prstGeom>
-          <a:noFill/>
-        </p:spPr>
-        <p:txBody>
-          <a:bodyPr wrap="square">
-            <a:spAutoFit/>
-          </a:bodyPr>
-          <a:lstStyle/>
-          <a:p>
-            <a:pPr>
-              <a:spcBef>
-                <a:spcPts val="800"/>
-              </a:spcBef>
-              <a:spcAft>
-                <a:spcPts val="800"/>
-              </a:spcAft>
-              <a:defRPr sz="2000">
-                <a:solidFill>
-                  <a:srgbClr val="FFFFFF"/>
-                </a:solidFill>
-              </a:defRPr>
-            </a:pPr>
-            <a:r>
-              <a:t>Laboratory: The LVM Driver manages local logical volumes on a standard Linux server.</a:t>
-            </a:r>
-          </a:p>
-          <a:p>
-            <a:pPr>
-              <a:spcBef>
-                <a:spcPts val="800"/>
-              </a:spcBef>
-              <a:spcAft>
-                <a:spcPts val="800"/>
-              </a:spcAft>
-              <a:defRPr sz="2000">
-                <a:solidFill>
-                  <a:srgbClr val="FFFFFF"/>
-                </a:solidFill>
-              </a:defRPr>
-            </a:pPr>
-            <a:r>
-              <a:t>Enterprise: Customized drivers for Dell EMC, NetApp, or HPE arrays translate API calls into proprietary storage commands.</a:t>
-            </a:r>
-          </a:p>
-          <a:p>
-            <a:pPr>
-              <a:spcBef>
-                <a:spcPts val="800"/>
-              </a:spcBef>
-              <a:spcAft>
-                <a:spcPts val="800"/>
-              </a:spcAft>
-              <a:defRPr sz="2000">
-                <a:solidFill>
-                  <a:srgbClr val="FFFFFF"/>
-                </a:solidFill>
-              </a:defRPr>
-            </a:pPr>
-            <a:r>
-              <a:t>Scale-Out: The Ceph Driver allows Cinder to provision resources from a distributed, software-defined storage cluster. When a user executes a creation command, Cinder identifies the correct driver and signals the backend hardware to provision the requested Logical Unit Number (LUN).</a:t>
             </a:r>
           </a:p>
         </p:txBody>
@@ -10456,7 +10709,7 @@
               </a:defRPr>
             </a:pPr>
             <a:r>
-              <a:t>2.2 The Attachment Process (iSCSI/RBD)</a:t>
+              <a:t>2.1 The Driver Model</a:t>
             </a:r>
           </a:p>
         </p:txBody>
@@ -10497,7 +10750,7 @@
               </a:defRPr>
             </a:pPr>
             <a:r>
-              <a:t>The mechanism for attaching a volume to an instance involves a coordinated handshake between services.</a:t>
+              <a:t>Laboratory: The LVM Driver manages local logical volumes on a standard Linux server.</a:t>
             </a:r>
           </a:p>
           <a:p>
@@ -10515,7 +10768,25 @@
               </a:defRPr>
             </a:pPr>
             <a:r>
-              <a:t>Figure 2: The Attachment Handshake - How Nova and Cinder coordinate to plug a remote disk into a running VM</a:t>
+              <a:t>Enterprise: Customized drivers for Dell EMC, NetApp, or HPE arrays translate API calls into proprietary storage commands.</a:t>
+            </a:r>
+          </a:p>
+          <a:p>
+            <a:pPr>
+              <a:spcBef>
+                <a:spcPts val="800"/>
+              </a:spcBef>
+              <a:spcAft>
+                <a:spcPts val="800"/>
+              </a:spcAft>
+              <a:defRPr sz="2000">
+                <a:solidFill>
+                  <a:srgbClr val="FFFFFF"/>
+                </a:solidFill>
+              </a:defRPr>
+            </a:pPr>
+            <a:r>
+              <a:t>Scale-Out: The Ceph Driver allows Cinder to provision resources from a distributed, software-defined storage cluster. When a user executes a creation command, Cinder identifies the correct driver and signals the backend hardware to provision the requested Logical Unit Number (LUN).</a:t>
             </a:r>
           </a:p>
         </p:txBody>
@@ -10600,7 +10871,7 @@
               </a:defRPr>
             </a:pPr>
             <a:r>
-              <a:t>2.3 Deep Dive: Storage Backends</a:t>
+              <a:t>2.2 The Attachment Process (iSCSI/RBD)</a:t>
             </a:r>
           </a:p>
         </p:txBody>
@@ -10641,7 +10912,25 @@
               </a:defRPr>
             </a:pPr>
             <a:r>
-              <a:t>Cinder operates as an abstraction layer, capable of interfacing with a diverse array of storage backends. In private cloud environments, the two most prevalent technologies serve as excellent examples of this flexibility: the Network File System (NFS) and the Ceph distributed storage cluster.</a:t>
+              <a:t>The mechanism for attaching a volume to an instance involves a coordinated handshake between services.</a:t>
+            </a:r>
+          </a:p>
+          <a:p>
+            <a:pPr>
+              <a:spcBef>
+                <a:spcPts val="800"/>
+              </a:spcBef>
+              <a:spcAft>
+                <a:spcPts val="800"/>
+              </a:spcAft>
+              <a:defRPr sz="2000">
+                <a:solidFill>
+                  <a:srgbClr val="FFFFFF"/>
+                </a:solidFill>
+              </a:defRPr>
+            </a:pPr>
+            <a:r>
+              <a:t>Figure 2: The Attachment Handshake - How Nova and Cinder coordinate to plug a remote disk into a running VM</a:t>
             </a:r>
           </a:p>
         </p:txBody>
@@ -10726,7 +11015,7 @@
               </a:defRPr>
             </a:pPr>
             <a:r>
-              <a:t>2.3.1 NFS (Network File System)</a:t>
+              <a:t>2.3 Deep Dive: Storage Backends</a:t>
             </a:r>
           </a:p>
         </p:txBody>
@@ -10767,79 +11056,7 @@
               </a:defRPr>
             </a:pPr>
             <a:r>
-              <a:t>The Network File System (NFS) represents the simpler deployment model, often utilized in smaller environments or laboratories.</a:t>
-            </a:r>
-          </a:p>
-          <a:p>
-            <a:pPr>
-              <a:spcBef>
-                <a:spcPts val="800"/>
-              </a:spcBef>
-              <a:spcAft>
-                <a:spcPts val="800"/>
-              </a:spcAft>
-              <a:defRPr sz="2000">
-                <a:solidFill>
-                  <a:srgbClr val="FFFFFF"/>
-                </a:solidFill>
-              </a:defRPr>
-            </a:pPr>
-            <a:r>
-              <a:t>In this architecture, Cinder acts as a client that mounts a remote directory from an existing NAS appliance or Linux server (e.g., 192.168.1.5:/toptier).</a:t>
-            </a:r>
-          </a:p>
-          <a:p>
-            <a:pPr>
-              <a:spcBef>
-                <a:spcPts val="800"/>
-              </a:spcBef>
-              <a:spcAft>
-                <a:spcPts val="800"/>
-              </a:spcAft>
-              <a:defRPr sz="2000">
-                <a:solidFill>
-                  <a:srgbClr val="FFFFFF"/>
-                </a:solidFill>
-              </a:defRPr>
-            </a:pPr>
-            <a:r>
-              <a:t>When a user requests a new volume, the Cinder Volume service generates a large file, typically in the QCOW2 format, within this mounted directory.</a:t>
-            </a:r>
-          </a:p>
-          <a:p>
-            <a:pPr>
-              <a:spcBef>
-                <a:spcPts val="800"/>
-              </a:spcBef>
-              <a:spcAft>
-                <a:spcPts val="800"/>
-              </a:spcAft>
-              <a:defRPr sz="2000">
-                <a:solidFill>
-                  <a:srgbClr val="FFFFFF"/>
-                </a:solidFill>
-              </a:defRPr>
-            </a:pPr>
-            <a:r>
-              <a:t>While this approach is notably easy to implement—requiring only a standard Linux server or a commercial NAS like Synology—it suffers from scalability limitations.</a:t>
-            </a:r>
-          </a:p>
-          <a:p>
-            <a:pPr>
-              <a:spcBef>
-                <a:spcPts val="800"/>
-              </a:spcBef>
-              <a:spcAft>
-                <a:spcPts val="800"/>
-              </a:spcAft>
-              <a:defRPr sz="2000">
-                <a:solidFill>
-                  <a:srgbClr val="FFFFFF"/>
-                </a:solidFill>
-              </a:defRPr>
-            </a:pPr>
-            <a:r>
-              <a:t>The performance of the entire cloud storage pool is often constrained by the throughput of the single network link connecting the Controller to the NAS, creating a significant bottleneck and a single point of failure.</a:t>
+              <a:t>Cinder operates as an abstraction layer, capable of interfacing with a diverse array of storage backends. In private cloud environments, the two most prevalent technologies serve as excellent examples of this flexibility: the Network File System (NFS) and the Ceph distributed storage cluster.</a:t>
             </a:r>
           </a:p>
         </p:txBody>
